--- a/documents/중간발표/노루막이_김형준_신창섭_홍승필_허지훈.pptx
+++ b/documents/중간발표/노루막이_김형준_신창섭_홍승필_허지훈.pptx
@@ -249,7 +249,7 @@
           <a:p>
             <a:fld id="{C0784820-E37F-9245-812A-8C2941EBBF6C}" type="datetimeFigureOut">
               <a:rPr kumimoji="1" lang="ko-KR" altLang="en-US" smtClean="0"/>
-              <a:t>2017-04-23</a:t>
+              <a:t>2017-04-26</a:t>
             </a:fld>
             <a:endParaRPr kumimoji="1" lang="ko-KR" altLang="en-US"/>
           </a:p>
@@ -414,7 +414,7 @@
           <a:p>
             <a:fld id="{ABD44343-005F-DA4E-8CE2-D84E76ABEFED}" type="datetimeFigureOut">
               <a:rPr kumimoji="1" lang="ko-KR" altLang="en-US" smtClean="0"/>
-              <a:t>2017-04-23</a:t>
+              <a:t>2017-04-26</a:t>
             </a:fld>
             <a:endParaRPr kumimoji="1" lang="ko-KR" altLang="en-US"/>
           </a:p>
@@ -1174,7 +1174,7 @@
           <a:p>
             <a:fld id="{9A7BEA77-FCFD-E34F-8955-12C1E82451E3}" type="datetimeFigureOut">
               <a:rPr kumimoji="1" lang="ko-KR" altLang="en-US" smtClean="0"/>
-              <a:t>2017-04-23</a:t>
+              <a:t>2017-04-26</a:t>
             </a:fld>
             <a:endParaRPr kumimoji="1" lang="ko-KR" altLang="en-US"/>
           </a:p>
@@ -1342,7 +1342,7 @@
           <a:p>
             <a:fld id="{9A7BEA77-FCFD-E34F-8955-12C1E82451E3}" type="datetimeFigureOut">
               <a:rPr kumimoji="1" lang="ko-KR" altLang="en-US" smtClean="0"/>
-              <a:t>2017-04-23</a:t>
+              <a:t>2017-04-26</a:t>
             </a:fld>
             <a:endParaRPr kumimoji="1" lang="ko-KR" altLang="en-US"/>
           </a:p>
@@ -1520,7 +1520,7 @@
           <a:p>
             <a:fld id="{9A7BEA77-FCFD-E34F-8955-12C1E82451E3}" type="datetimeFigureOut">
               <a:rPr kumimoji="1" lang="ko-KR" altLang="en-US" smtClean="0"/>
-              <a:t>2017-04-23</a:t>
+              <a:t>2017-04-26</a:t>
             </a:fld>
             <a:endParaRPr kumimoji="1" lang="ko-KR" altLang="en-US"/>
           </a:p>
@@ -1688,7 +1688,7 @@
           <a:p>
             <a:fld id="{9A7BEA77-FCFD-E34F-8955-12C1E82451E3}" type="datetimeFigureOut">
               <a:rPr kumimoji="1" lang="ko-KR" altLang="en-US" smtClean="0"/>
-              <a:t>2017-04-23</a:t>
+              <a:t>2017-04-26</a:t>
             </a:fld>
             <a:endParaRPr kumimoji="1" lang="ko-KR" altLang="en-US"/>
           </a:p>
@@ -1933,7 +1933,7 @@
           <a:p>
             <a:fld id="{9A7BEA77-FCFD-E34F-8955-12C1E82451E3}" type="datetimeFigureOut">
               <a:rPr kumimoji="1" lang="ko-KR" altLang="en-US" smtClean="0"/>
-              <a:t>2017-04-23</a:t>
+              <a:t>2017-04-26</a:t>
             </a:fld>
             <a:endParaRPr kumimoji="1" lang="ko-KR" altLang="en-US"/>
           </a:p>
@@ -2162,7 +2162,7 @@
           <a:p>
             <a:fld id="{9A7BEA77-FCFD-E34F-8955-12C1E82451E3}" type="datetimeFigureOut">
               <a:rPr kumimoji="1" lang="ko-KR" altLang="en-US" smtClean="0"/>
-              <a:t>2017-04-23</a:t>
+              <a:t>2017-04-26</a:t>
             </a:fld>
             <a:endParaRPr kumimoji="1" lang="ko-KR" altLang="en-US"/>
           </a:p>
@@ -2526,7 +2526,7 @@
           <a:p>
             <a:fld id="{9A7BEA77-FCFD-E34F-8955-12C1E82451E3}" type="datetimeFigureOut">
               <a:rPr kumimoji="1" lang="ko-KR" altLang="en-US" smtClean="0"/>
-              <a:t>2017-04-23</a:t>
+              <a:t>2017-04-26</a:t>
             </a:fld>
             <a:endParaRPr kumimoji="1" lang="ko-KR" altLang="en-US"/>
           </a:p>
@@ -2643,7 +2643,7 @@
           <a:p>
             <a:fld id="{9A7BEA77-FCFD-E34F-8955-12C1E82451E3}" type="datetimeFigureOut">
               <a:rPr kumimoji="1" lang="ko-KR" altLang="en-US" smtClean="0"/>
-              <a:t>2017-04-23</a:t>
+              <a:t>2017-04-26</a:t>
             </a:fld>
             <a:endParaRPr kumimoji="1" lang="ko-KR" altLang="en-US"/>
           </a:p>
@@ -2738,7 +2738,7 @@
           <a:p>
             <a:fld id="{9A7BEA77-FCFD-E34F-8955-12C1E82451E3}" type="datetimeFigureOut">
               <a:rPr kumimoji="1" lang="ko-KR" altLang="en-US" smtClean="0"/>
-              <a:t>2017-04-23</a:t>
+              <a:t>2017-04-26</a:t>
             </a:fld>
             <a:endParaRPr kumimoji="1" lang="ko-KR" altLang="en-US"/>
           </a:p>
@@ -3013,7 +3013,7 @@
           <a:p>
             <a:fld id="{9A7BEA77-FCFD-E34F-8955-12C1E82451E3}" type="datetimeFigureOut">
               <a:rPr kumimoji="1" lang="ko-KR" altLang="en-US" smtClean="0"/>
-              <a:t>2017-04-23</a:t>
+              <a:t>2017-04-26</a:t>
             </a:fld>
             <a:endParaRPr kumimoji="1" lang="ko-KR" altLang="en-US"/>
           </a:p>
@@ -3265,7 +3265,7 @@
           <a:p>
             <a:fld id="{9A7BEA77-FCFD-E34F-8955-12C1E82451E3}" type="datetimeFigureOut">
               <a:rPr kumimoji="1" lang="ko-KR" altLang="en-US" smtClean="0"/>
-              <a:t>2017-04-23</a:t>
+              <a:t>2017-04-26</a:t>
             </a:fld>
             <a:endParaRPr kumimoji="1" lang="ko-KR" altLang="en-US"/>
           </a:p>
@@ -3476,7 +3476,7 @@
           <a:p>
             <a:fld id="{9A7BEA77-FCFD-E34F-8955-12C1E82451E3}" type="datetimeFigureOut">
               <a:rPr kumimoji="1" lang="ko-KR" altLang="en-US" smtClean="0"/>
-              <a:t>2017-04-23</a:t>
+              <a:t>2017-04-26</a:t>
             </a:fld>
             <a:endParaRPr kumimoji="1" lang="ko-KR" altLang="en-US"/>
           </a:p>
@@ -23023,8 +23023,8 @@
   <p:clrMapOvr>
     <a:masterClrMapping/>
   </p:clrMapOvr>
-  <mc:AlternateContent xmlns:mc="http://schemas.openxmlformats.org/markup-compatibility/2006">
-    <mc:Choice xmlns:p14="http://schemas.microsoft.com/office/powerpoint/2010/main" Requires="p14">
+  <mc:AlternateContent xmlns:mc="http://schemas.openxmlformats.org/markup-compatibility/2006" xmlns:p14="http://schemas.microsoft.com/office/powerpoint/2010/main">
+    <mc:Choice Requires="p14">
       <p:timing>
         <p:tnLst>
           <p:par>
@@ -23423,7 +23423,7 @@
         </p:tnLst>
       </p:timing>
     </mc:Choice>
-    <mc:Fallback>
+    <mc:Fallback xmlns="">
       <p:timing>
         <p:tnLst>
           <p:par>
@@ -24415,12 +24415,8 @@
               <a:buChar char="-"/>
             </a:pPr>
             <a:r>
-              <a:rPr lang="ko-KR" altLang="en-US" sz="3200" dirty="0" err="1"/>
-              <a:t>월드머신을</a:t>
-            </a:r>
-            <a:r>
               <a:rPr lang="ko-KR" altLang="en-US" sz="3200" dirty="0"/>
-              <a:t> 활용한 </a:t>
+              <a:t>유니티 활용한 </a:t>
             </a:r>
             <a:r>
               <a:rPr lang="ko-KR" altLang="en-US" sz="3200" dirty="0" err="1"/>
@@ -24468,7 +24464,7 @@
                   </a:schemeClr>
                 </a:solidFill>
               </a:rPr>
-              <a:t> 수정</a:t>
+              <a:t> 제작</a:t>
             </a:r>
             <a:endParaRPr lang="en-US" altLang="ko-KR" sz="2800" dirty="0">
               <a:solidFill>

--- a/documents/중간발표/노루막이_김형준_신창섭_홍승필_허지훈.pptx
+++ b/documents/중간발표/노루막이_김형준_신창섭_홍승필_허지훈.pptx
@@ -167,6 +167,10 @@
 </p:presentation>
 </file>
 
+<file path=ppt/revisionInfo.xml><?xml version="1.0" encoding="utf-8"?>
+<p1510:revInfo xmlns:a="http://schemas.openxmlformats.org/drawingml/2006/main" xmlns:r="http://schemas.openxmlformats.org/officeDocument/2006/relationships" xmlns:p1510="http://schemas.microsoft.com/office/powerpoint/2015/10/main"/>
+</file>
+
 <file path=ppt/handoutMasters/handoutMaster1.xml><?xml version="1.0" encoding="utf-8"?>
 <p:handoutMaster xmlns:a="http://schemas.openxmlformats.org/drawingml/2006/main" xmlns:r="http://schemas.openxmlformats.org/officeDocument/2006/relationships" xmlns:p="http://schemas.openxmlformats.org/presentationml/2006/main">
   <p:cSld>
@@ -249,7 +253,7 @@
           <a:p>
             <a:fld id="{C0784820-E37F-9245-812A-8C2941EBBF6C}" type="datetimeFigureOut">
               <a:rPr kumimoji="1" lang="ko-KR" altLang="en-US" smtClean="0"/>
-              <a:t>2017-04-26</a:t>
+              <a:t>2017-05-01</a:t>
             </a:fld>
             <a:endParaRPr kumimoji="1" lang="ko-KR" altLang="en-US"/>
           </a:p>
@@ -414,7 +418,7 @@
           <a:p>
             <a:fld id="{ABD44343-005F-DA4E-8CE2-D84E76ABEFED}" type="datetimeFigureOut">
               <a:rPr kumimoji="1" lang="ko-KR" altLang="en-US" smtClean="0"/>
-              <a:t>2017-04-26</a:t>
+              <a:t>2017-05-01</a:t>
             </a:fld>
             <a:endParaRPr kumimoji="1" lang="ko-KR" altLang="en-US"/>
           </a:p>
@@ -1174,7 +1178,7 @@
           <a:p>
             <a:fld id="{9A7BEA77-FCFD-E34F-8955-12C1E82451E3}" type="datetimeFigureOut">
               <a:rPr kumimoji="1" lang="ko-KR" altLang="en-US" smtClean="0"/>
-              <a:t>2017-04-26</a:t>
+              <a:t>2017-05-01</a:t>
             </a:fld>
             <a:endParaRPr kumimoji="1" lang="ko-KR" altLang="en-US"/>
           </a:p>
@@ -1342,7 +1346,7 @@
           <a:p>
             <a:fld id="{9A7BEA77-FCFD-E34F-8955-12C1E82451E3}" type="datetimeFigureOut">
               <a:rPr kumimoji="1" lang="ko-KR" altLang="en-US" smtClean="0"/>
-              <a:t>2017-04-26</a:t>
+              <a:t>2017-05-01</a:t>
             </a:fld>
             <a:endParaRPr kumimoji="1" lang="ko-KR" altLang="en-US"/>
           </a:p>
@@ -1520,7 +1524,7 @@
           <a:p>
             <a:fld id="{9A7BEA77-FCFD-E34F-8955-12C1E82451E3}" type="datetimeFigureOut">
               <a:rPr kumimoji="1" lang="ko-KR" altLang="en-US" smtClean="0"/>
-              <a:t>2017-04-26</a:t>
+              <a:t>2017-05-01</a:t>
             </a:fld>
             <a:endParaRPr kumimoji="1" lang="ko-KR" altLang="en-US"/>
           </a:p>
@@ -1688,7 +1692,7 @@
           <a:p>
             <a:fld id="{9A7BEA77-FCFD-E34F-8955-12C1E82451E3}" type="datetimeFigureOut">
               <a:rPr kumimoji="1" lang="ko-KR" altLang="en-US" smtClean="0"/>
-              <a:t>2017-04-26</a:t>
+              <a:t>2017-05-01</a:t>
             </a:fld>
             <a:endParaRPr kumimoji="1" lang="ko-KR" altLang="en-US"/>
           </a:p>
@@ -1933,7 +1937,7 @@
           <a:p>
             <a:fld id="{9A7BEA77-FCFD-E34F-8955-12C1E82451E3}" type="datetimeFigureOut">
               <a:rPr kumimoji="1" lang="ko-KR" altLang="en-US" smtClean="0"/>
-              <a:t>2017-04-26</a:t>
+              <a:t>2017-05-01</a:t>
             </a:fld>
             <a:endParaRPr kumimoji="1" lang="ko-KR" altLang="en-US"/>
           </a:p>
@@ -2162,7 +2166,7 @@
           <a:p>
             <a:fld id="{9A7BEA77-FCFD-E34F-8955-12C1E82451E3}" type="datetimeFigureOut">
               <a:rPr kumimoji="1" lang="ko-KR" altLang="en-US" smtClean="0"/>
-              <a:t>2017-04-26</a:t>
+              <a:t>2017-05-01</a:t>
             </a:fld>
             <a:endParaRPr kumimoji="1" lang="ko-KR" altLang="en-US"/>
           </a:p>
@@ -2526,7 +2530,7 @@
           <a:p>
             <a:fld id="{9A7BEA77-FCFD-E34F-8955-12C1E82451E3}" type="datetimeFigureOut">
               <a:rPr kumimoji="1" lang="ko-KR" altLang="en-US" smtClean="0"/>
-              <a:t>2017-04-26</a:t>
+              <a:t>2017-05-01</a:t>
             </a:fld>
             <a:endParaRPr kumimoji="1" lang="ko-KR" altLang="en-US"/>
           </a:p>
@@ -2643,7 +2647,7 @@
           <a:p>
             <a:fld id="{9A7BEA77-FCFD-E34F-8955-12C1E82451E3}" type="datetimeFigureOut">
               <a:rPr kumimoji="1" lang="ko-KR" altLang="en-US" smtClean="0"/>
-              <a:t>2017-04-26</a:t>
+              <a:t>2017-05-01</a:t>
             </a:fld>
             <a:endParaRPr kumimoji="1" lang="ko-KR" altLang="en-US"/>
           </a:p>
@@ -2738,7 +2742,7 @@
           <a:p>
             <a:fld id="{9A7BEA77-FCFD-E34F-8955-12C1E82451E3}" type="datetimeFigureOut">
               <a:rPr kumimoji="1" lang="ko-KR" altLang="en-US" smtClean="0"/>
-              <a:t>2017-04-26</a:t>
+              <a:t>2017-05-01</a:t>
             </a:fld>
             <a:endParaRPr kumimoji="1" lang="ko-KR" altLang="en-US"/>
           </a:p>
@@ -3013,7 +3017,7 @@
           <a:p>
             <a:fld id="{9A7BEA77-FCFD-E34F-8955-12C1E82451E3}" type="datetimeFigureOut">
               <a:rPr kumimoji="1" lang="ko-KR" altLang="en-US" smtClean="0"/>
-              <a:t>2017-04-26</a:t>
+              <a:t>2017-05-01</a:t>
             </a:fld>
             <a:endParaRPr kumimoji="1" lang="ko-KR" altLang="en-US"/>
           </a:p>
@@ -3265,7 +3269,7 @@
           <a:p>
             <a:fld id="{9A7BEA77-FCFD-E34F-8955-12C1E82451E3}" type="datetimeFigureOut">
               <a:rPr kumimoji="1" lang="ko-KR" altLang="en-US" smtClean="0"/>
-              <a:t>2017-04-26</a:t>
+              <a:t>2017-05-01</a:t>
             </a:fld>
             <a:endParaRPr kumimoji="1" lang="ko-KR" altLang="en-US"/>
           </a:p>
@@ -3476,7 +3480,7 @@
           <a:p>
             <a:fld id="{9A7BEA77-FCFD-E34F-8955-12C1E82451E3}" type="datetimeFigureOut">
               <a:rPr kumimoji="1" lang="ko-KR" altLang="en-US" smtClean="0"/>
-              <a:t>2017-04-26</a:t>
+              <a:t>2017-05-01</a:t>
             </a:fld>
             <a:endParaRPr kumimoji="1" lang="ko-KR" altLang="en-US"/>
           </a:p>
@@ -20548,8 +20552,8 @@
         </p:nvSpPr>
         <p:spPr>
           <a:xfrm>
-            <a:off x="610740" y="3317718"/>
-            <a:ext cx="1027426" cy="1027426"/>
+            <a:off x="432561" y="3139539"/>
+            <a:ext cx="1205605" cy="1205605"/>
           </a:xfrm>
           <a:prstGeom prst="ellipse">
             <a:avLst/>
@@ -20606,8 +20610,8 @@
         </p:nvSpPr>
         <p:spPr>
           <a:xfrm>
-            <a:off x="610739" y="5266927"/>
-            <a:ext cx="1027426" cy="1027426"/>
+            <a:off x="432560" y="5088748"/>
+            <a:ext cx="1205605" cy="1205605"/>
           </a:xfrm>
           <a:prstGeom prst="ellipse">
             <a:avLst/>
@@ -20664,8 +20668,8 @@
         </p:nvSpPr>
         <p:spPr>
           <a:xfrm>
-            <a:off x="632003" y="1468384"/>
-            <a:ext cx="1027426" cy="1027426"/>
+            <a:off x="361273" y="1197654"/>
+            <a:ext cx="1298156" cy="1298156"/>
           </a:xfrm>
           <a:prstGeom prst="ellipse">
             <a:avLst/>
@@ -20721,8 +20725,8 @@
         </p:nvSpPr>
         <p:spPr>
           <a:xfrm>
-            <a:off x="632003" y="1468384"/>
-            <a:ext cx="1027426" cy="1027426"/>
+            <a:off x="361273" y="1197654"/>
+            <a:ext cx="1298156" cy="1298156"/>
           </a:xfrm>
           <a:prstGeom prst="ellipse">
             <a:avLst/>
@@ -20767,8 +20771,8 @@
         </p:nvSpPr>
         <p:spPr>
           <a:xfrm>
-            <a:off x="633471" y="1468384"/>
-            <a:ext cx="1027426" cy="1027426"/>
+            <a:off x="362741" y="1197654"/>
+            <a:ext cx="1298156" cy="1298156"/>
           </a:xfrm>
           <a:prstGeom prst="ellipse">
             <a:avLst/>
@@ -20813,8 +20817,8 @@
         </p:nvSpPr>
         <p:spPr>
           <a:xfrm>
-            <a:off x="610738" y="1468384"/>
-            <a:ext cx="1027426" cy="1027426"/>
+            <a:off x="340008" y="1197654"/>
+            <a:ext cx="1298156" cy="1298156"/>
           </a:xfrm>
           <a:prstGeom prst="ellipse">
             <a:avLst/>
@@ -20859,8 +20863,8 @@
         </p:nvSpPr>
         <p:spPr>
           <a:xfrm>
-            <a:off x="610739" y="3317718"/>
-            <a:ext cx="1027426" cy="1027426"/>
+            <a:off x="432560" y="3139539"/>
+            <a:ext cx="1205605" cy="1205605"/>
           </a:xfrm>
           <a:prstGeom prst="ellipse">
             <a:avLst/>
@@ -20905,8 +20909,8 @@
         </p:nvSpPr>
         <p:spPr>
           <a:xfrm>
-            <a:off x="610738" y="5266927"/>
-            <a:ext cx="1027426" cy="1027426"/>
+            <a:off x="432559" y="5088748"/>
+            <a:ext cx="1205605" cy="1205605"/>
           </a:xfrm>
           <a:prstGeom prst="ellipse">
             <a:avLst/>
@@ -20951,7 +20955,7 @@
         </p:nvSpPr>
         <p:spPr>
           <a:xfrm>
-            <a:off x="1742596" y="1568259"/>
+            <a:off x="2044348" y="1381301"/>
             <a:ext cx="3801854" cy="827676"/>
           </a:xfrm>
           <a:prstGeom prst="roundRect">
@@ -21065,7 +21069,7 @@
         </p:nvSpPr>
         <p:spPr>
           <a:xfrm>
-            <a:off x="1742595" y="3417593"/>
+            <a:off x="2044347" y="3322075"/>
             <a:ext cx="4390133" cy="827676"/>
           </a:xfrm>
           <a:prstGeom prst="roundRect">
@@ -21119,7 +21123,7 @@
         </p:nvSpPr>
         <p:spPr>
           <a:xfrm>
-            <a:off x="1742596" y="5366802"/>
+            <a:off x="2044348" y="5271284"/>
             <a:ext cx="3801854" cy="827676"/>
           </a:xfrm>
           <a:prstGeom prst="roundRect">
@@ -23023,8 +23027,8 @@
   <p:clrMapOvr>
     <a:masterClrMapping/>
   </p:clrMapOvr>
-  <mc:AlternateContent xmlns:mc="http://schemas.openxmlformats.org/markup-compatibility/2006" xmlns:p14="http://schemas.microsoft.com/office/powerpoint/2010/main">
-    <mc:Choice Requires="p14">
+  <mc:AlternateContent xmlns:mc="http://schemas.openxmlformats.org/markup-compatibility/2006">
+    <mc:Choice xmlns:p14="http://schemas.microsoft.com/office/powerpoint/2010/main" Requires="p14">
       <p:timing>
         <p:tnLst>
           <p:par>
@@ -23121,33 +23125,15 @@
                                       </p:childTnLst>
                                     </p:cTn>
                                   </p:par>
-                                </p:childTnLst>
-                              </p:cTn>
-                            </p:par>
-                          </p:childTnLst>
-                        </p:cTn>
-                      </p:par>
-                      <p:par>
-                        <p:cTn id="9" fill="hold">
-                          <p:stCondLst>
-                            <p:cond delay="indefinite"/>
-                          </p:stCondLst>
-                          <p:childTnLst>
-                            <p:par>
-                              <p:cTn id="10" fill="hold">
-                                <p:stCondLst>
-                                  <p:cond delay="0"/>
-                                </p:stCondLst>
-                                <p:childTnLst>
                                   <p:par>
-                                    <p:cTn id="11" presetID="2" presetClass="entr" presetSubtype="2" accel="66667" fill="hold" nodeType="clickEffect" p14:presetBounceEnd="66667">
+                                    <p:cTn id="9" presetID="2" presetClass="entr" presetSubtype="2" accel="66667" fill="hold" nodeType="withEffect" p14:presetBounceEnd="66667">
                                       <p:stCondLst>
-                                        <p:cond delay="0"/>
+                                        <p:cond delay="200"/>
                                       </p:stCondLst>
                                       <p:childTnLst>
                                         <p:set>
                                           <p:cBhvr>
-                                            <p:cTn id="12" dur="1" fill="hold">
+                                            <p:cTn id="10" dur="1" fill="hold">
                                               <p:stCondLst>
                                                 <p:cond delay="0"/>
                                               </p:stCondLst>
@@ -23165,7 +23151,7 @@
                                         </p:set>
                                         <p:anim calcmode="lin" valueType="num" p14:bounceEnd="66667">
                                           <p:cBhvr additive="base">
-                                            <p:cTn id="13" dur="1500" fill="hold"/>
+                                            <p:cTn id="11" dur="1500" fill="hold"/>
                                             <p:tgtEl>
                                               <p:spTgt spid="19"/>
                                             </p:tgtEl>
@@ -23188,7 +23174,7 @@
                                         </p:anim>
                                         <p:anim calcmode="lin" valueType="num" p14:bounceEnd="66667">
                                           <p:cBhvr additive="base">
-                                            <p:cTn id="14" dur="1500" fill="hold"/>
+                                            <p:cTn id="12" dur="1500" fill="hold"/>
                                             <p:tgtEl>
                                               <p:spTgt spid="19"/>
                                             </p:tgtEl>
@@ -23212,33 +23198,15 @@
                                       </p:childTnLst>
                                     </p:cTn>
                                   </p:par>
-                                </p:childTnLst>
-                              </p:cTn>
-                            </p:par>
-                          </p:childTnLst>
-                        </p:cTn>
-                      </p:par>
-                      <p:par>
-                        <p:cTn id="15" fill="hold">
-                          <p:stCondLst>
-                            <p:cond delay="indefinite"/>
-                          </p:stCondLst>
-                          <p:childTnLst>
-                            <p:par>
-                              <p:cTn id="16" fill="hold">
-                                <p:stCondLst>
-                                  <p:cond delay="0"/>
-                                </p:stCondLst>
-                                <p:childTnLst>
                                   <p:par>
-                                    <p:cTn id="17" presetID="2" presetClass="entr" presetSubtype="2" accel="66667" fill="hold" nodeType="clickEffect" p14:presetBounceEnd="66667">
+                                    <p:cTn id="13" presetID="2" presetClass="entr" presetSubtype="2" accel="66667" fill="hold" nodeType="withEffect" p14:presetBounceEnd="66667">
                                       <p:stCondLst>
-                                        <p:cond delay="0"/>
+                                        <p:cond delay="400"/>
                                       </p:stCondLst>
                                       <p:childTnLst>
                                         <p:set>
                                           <p:cBhvr>
-                                            <p:cTn id="18" dur="1" fill="hold">
+                                            <p:cTn id="14" dur="1" fill="hold">
                                               <p:stCondLst>
                                                 <p:cond delay="0"/>
                                               </p:stCondLst>
@@ -23256,7 +23224,7 @@
                                         </p:set>
                                         <p:anim calcmode="lin" valueType="num" p14:bounceEnd="66667">
                                           <p:cBhvr additive="base">
-                                            <p:cTn id="19" dur="1500" fill="hold"/>
+                                            <p:cTn id="15" dur="1500" fill="hold"/>
                                             <p:tgtEl>
                                               <p:spTgt spid="16"/>
                                             </p:tgtEl>
@@ -23279,7 +23247,7 @@
                                         </p:anim>
                                         <p:anim calcmode="lin" valueType="num" p14:bounceEnd="66667">
                                           <p:cBhvr additive="base">
-                                            <p:cTn id="20" dur="1500" fill="hold"/>
+                                            <p:cTn id="16" dur="1500" fill="hold"/>
                                             <p:tgtEl>
                                               <p:spTgt spid="16"/>
                                             </p:tgtEl>
@@ -23303,33 +23271,15 @@
                                       </p:childTnLst>
                                     </p:cTn>
                                   </p:par>
-                                </p:childTnLst>
-                              </p:cTn>
-                            </p:par>
-                          </p:childTnLst>
-                        </p:cTn>
-                      </p:par>
-                      <p:par>
-                        <p:cTn id="21" fill="hold">
-                          <p:stCondLst>
-                            <p:cond delay="indefinite"/>
-                          </p:stCondLst>
-                          <p:childTnLst>
-                            <p:par>
-                              <p:cTn id="22" fill="hold">
-                                <p:stCondLst>
-                                  <p:cond delay="0"/>
-                                </p:stCondLst>
-                                <p:childTnLst>
                                   <p:par>
-                                    <p:cTn id="23" presetID="2" presetClass="entr" presetSubtype="2" accel="66667" fill="hold" nodeType="clickEffect" p14:presetBounceEnd="66667">
+                                    <p:cTn id="17" presetID="2" presetClass="entr" presetSubtype="2" accel="66667" fill="hold" nodeType="withEffect" p14:presetBounceEnd="66667">
                                       <p:stCondLst>
-                                        <p:cond delay="0"/>
+                                        <p:cond delay="600"/>
                                       </p:stCondLst>
                                       <p:childTnLst>
                                         <p:set>
                                           <p:cBhvr>
-                                            <p:cTn id="24" dur="1" fill="hold">
+                                            <p:cTn id="18" dur="1" fill="hold">
                                               <p:stCondLst>
                                                 <p:cond delay="0"/>
                                               </p:stCondLst>
@@ -23347,7 +23297,7 @@
                                         </p:set>
                                         <p:anim calcmode="lin" valueType="num" p14:bounceEnd="66667">
                                           <p:cBhvr additive="base">
-                                            <p:cTn id="25" dur="1500" fill="hold"/>
+                                            <p:cTn id="19" dur="1500" fill="hold"/>
                                             <p:tgtEl>
                                               <p:spTgt spid="18"/>
                                             </p:tgtEl>
@@ -23370,7 +23320,7 @@
                                         </p:anim>
                                         <p:anim calcmode="lin" valueType="num" p14:bounceEnd="66667">
                                           <p:cBhvr additive="base">
-                                            <p:cTn id="26" dur="1500" fill="hold"/>
+                                            <p:cTn id="20" dur="1500" fill="hold"/>
                                             <p:tgtEl>
                                               <p:spTgt spid="18"/>
                                             </p:tgtEl>
@@ -23423,7 +23373,7 @@
         </p:tnLst>
       </p:timing>
     </mc:Choice>
-    <mc:Fallback xmlns="">
+    <mc:Fallback>
       <p:timing>
         <p:tnLst>
           <p:par>
@@ -23520,33 +23470,15 @@
                                       </p:childTnLst>
                                     </p:cTn>
                                   </p:par>
-                                </p:childTnLst>
-                              </p:cTn>
-                            </p:par>
-                          </p:childTnLst>
-                        </p:cTn>
-                      </p:par>
-                      <p:par>
-                        <p:cTn id="9" fill="hold">
-                          <p:stCondLst>
-                            <p:cond delay="indefinite"/>
-                          </p:stCondLst>
-                          <p:childTnLst>
-                            <p:par>
-                              <p:cTn id="10" fill="hold">
-                                <p:stCondLst>
-                                  <p:cond delay="0"/>
-                                </p:stCondLst>
-                                <p:childTnLst>
                                   <p:par>
-                                    <p:cTn id="11" presetID="2" presetClass="entr" presetSubtype="2" accel="66667" fill="hold" nodeType="clickEffect">
+                                    <p:cTn id="9" presetID="2" presetClass="entr" presetSubtype="2" accel="66667" fill="hold" nodeType="withEffect">
                                       <p:stCondLst>
-                                        <p:cond delay="0"/>
+                                        <p:cond delay="200"/>
                                       </p:stCondLst>
                                       <p:childTnLst>
                                         <p:set>
                                           <p:cBhvr>
-                                            <p:cTn id="12" dur="1" fill="hold">
+                                            <p:cTn id="10" dur="1" fill="hold">
                                               <p:stCondLst>
                                                 <p:cond delay="0"/>
                                               </p:stCondLst>
@@ -23564,7 +23496,7 @@
                                         </p:set>
                                         <p:anim calcmode="lin" valueType="num">
                                           <p:cBhvr additive="base">
-                                            <p:cTn id="13" dur="1500" fill="hold"/>
+                                            <p:cTn id="11" dur="1500" fill="hold"/>
                                             <p:tgtEl>
                                               <p:spTgt spid="19"/>
                                             </p:tgtEl>
@@ -23587,7 +23519,7 @@
                                         </p:anim>
                                         <p:anim calcmode="lin" valueType="num">
                                           <p:cBhvr additive="base">
-                                            <p:cTn id="14" dur="1500" fill="hold"/>
+                                            <p:cTn id="12" dur="1500" fill="hold"/>
                                             <p:tgtEl>
                                               <p:spTgt spid="19"/>
                                             </p:tgtEl>
@@ -23611,33 +23543,15 @@
                                       </p:childTnLst>
                                     </p:cTn>
                                   </p:par>
-                                </p:childTnLst>
-                              </p:cTn>
-                            </p:par>
-                          </p:childTnLst>
-                        </p:cTn>
-                      </p:par>
-                      <p:par>
-                        <p:cTn id="15" fill="hold">
-                          <p:stCondLst>
-                            <p:cond delay="indefinite"/>
-                          </p:stCondLst>
-                          <p:childTnLst>
-                            <p:par>
-                              <p:cTn id="16" fill="hold">
-                                <p:stCondLst>
-                                  <p:cond delay="0"/>
-                                </p:stCondLst>
-                                <p:childTnLst>
                                   <p:par>
-                                    <p:cTn id="17" presetID="2" presetClass="entr" presetSubtype="2" accel="66667" fill="hold" nodeType="clickEffect">
+                                    <p:cTn id="13" presetID="2" presetClass="entr" presetSubtype="2" accel="66667" fill="hold" nodeType="withEffect">
                                       <p:stCondLst>
-                                        <p:cond delay="0"/>
+                                        <p:cond delay="400"/>
                                       </p:stCondLst>
                                       <p:childTnLst>
                                         <p:set>
                                           <p:cBhvr>
-                                            <p:cTn id="18" dur="1" fill="hold">
+                                            <p:cTn id="14" dur="1" fill="hold">
                                               <p:stCondLst>
                                                 <p:cond delay="0"/>
                                               </p:stCondLst>
@@ -23655,7 +23569,7 @@
                                         </p:set>
                                         <p:anim calcmode="lin" valueType="num">
                                           <p:cBhvr additive="base">
-                                            <p:cTn id="19" dur="1500" fill="hold"/>
+                                            <p:cTn id="15" dur="1500" fill="hold"/>
                                             <p:tgtEl>
                                               <p:spTgt spid="16"/>
                                             </p:tgtEl>
@@ -23678,7 +23592,7 @@
                                         </p:anim>
                                         <p:anim calcmode="lin" valueType="num">
                                           <p:cBhvr additive="base">
-                                            <p:cTn id="20" dur="1500" fill="hold"/>
+                                            <p:cTn id="16" dur="1500" fill="hold"/>
                                             <p:tgtEl>
                                               <p:spTgt spid="16"/>
                                             </p:tgtEl>
@@ -23702,33 +23616,15 @@
                                       </p:childTnLst>
                                     </p:cTn>
                                   </p:par>
-                                </p:childTnLst>
-                              </p:cTn>
-                            </p:par>
-                          </p:childTnLst>
-                        </p:cTn>
-                      </p:par>
-                      <p:par>
-                        <p:cTn id="21" fill="hold">
-                          <p:stCondLst>
-                            <p:cond delay="indefinite"/>
-                          </p:stCondLst>
-                          <p:childTnLst>
-                            <p:par>
-                              <p:cTn id="22" fill="hold">
-                                <p:stCondLst>
-                                  <p:cond delay="0"/>
-                                </p:stCondLst>
-                                <p:childTnLst>
                                   <p:par>
-                                    <p:cTn id="23" presetID="2" presetClass="entr" presetSubtype="2" accel="66667" fill="hold" nodeType="clickEffect">
+                                    <p:cTn id="17" presetID="2" presetClass="entr" presetSubtype="2" accel="66667" fill="hold" nodeType="withEffect">
                                       <p:stCondLst>
-                                        <p:cond delay="0"/>
+                                        <p:cond delay="600"/>
                                       </p:stCondLst>
                                       <p:childTnLst>
                                         <p:set>
                                           <p:cBhvr>
-                                            <p:cTn id="24" dur="1" fill="hold">
+                                            <p:cTn id="18" dur="1" fill="hold">
                                               <p:stCondLst>
                                                 <p:cond delay="0"/>
                                               </p:stCondLst>
@@ -23746,7 +23642,7 @@
                                         </p:set>
                                         <p:anim calcmode="lin" valueType="num">
                                           <p:cBhvr additive="base">
-                                            <p:cTn id="25" dur="1500" fill="hold"/>
+                                            <p:cTn id="19" dur="1500" fill="hold"/>
                                             <p:tgtEl>
                                               <p:spTgt spid="18"/>
                                             </p:tgtEl>
@@ -23769,7 +23665,7 @@
                                         </p:anim>
                                         <p:anim calcmode="lin" valueType="num">
                                           <p:cBhvr additive="base">
-                                            <p:cTn id="26" dur="1500" fill="hold"/>
+                                            <p:cTn id="20" dur="1500" fill="hold"/>
                                             <p:tgtEl>
                                               <p:spTgt spid="18"/>
                                             </p:tgtEl>
@@ -24416,7 +24312,7 @@
             </a:pPr>
             <a:r>
               <a:rPr lang="ko-KR" altLang="en-US" sz="3200" dirty="0"/>
-              <a:t>유니티 활용한 </a:t>
+              <a:t>유니티에서 터레인을 통해 </a:t>
             </a:r>
             <a:r>
               <a:rPr lang="ko-KR" altLang="en-US" sz="3200" dirty="0" err="1"/>
@@ -24444,7 +24340,7 @@
                   </a:schemeClr>
                 </a:solidFill>
               </a:rPr>
-              <a:t>제작 후 용도에 맞게 </a:t>
+              <a:t>제작 후 용도에 맞게 포토샵을 통해 </a:t>
             </a:r>
             <a:r>
               <a:rPr lang="ko-KR" altLang="en-US" sz="2800" dirty="0" err="1">

--- a/documents/중간발표/노루막이_김형준_신창섭_홍승필_허지훈.pptx
+++ b/documents/중간발표/노루막이_김형준_신창섭_홍승필_허지훈.pptx
@@ -130,7 +130,7 @@
   </p:defaultTextStyle>
   <p:extLst>
     <p:ext uri="{EFAFB233-063F-42B5-8137-9DF3F51BA10A}">
-      <p15:sldGuideLst xmlns:p15="http://schemas.microsoft.com/office/powerpoint/2012/main">
+      <p15:sldGuideLst xmlns:p15="http://schemas.microsoft.com/office/powerpoint/2012/main" xmlns="">
         <p15:guide id="1" orient="horz" pos="2160" userDrawn="1">
           <p15:clr>
             <a:srgbClr val="A4A3A4"/>
@@ -144,7 +144,7 @@
       </p15:sldGuideLst>
     </p:ext>
     <p:ext uri="{2D200454-40CA-4A62-9FC3-DE9A4176ACB9}">
-      <p15:notesGuideLst xmlns:p15="http://schemas.microsoft.com/office/powerpoint/2012/main">
+      <p15:notesGuideLst xmlns:p15="http://schemas.microsoft.com/office/powerpoint/2012/main" xmlns="">
         <p15:guide id="1" orient="horz" pos="2880" userDrawn="1">
           <p15:clr>
             <a:srgbClr val="A4A3A4"/>
@@ -257,7 +257,8 @@
           <a:p>
             <a:fld id="{C0784820-E37F-9245-812A-8C2941EBBF6C}" type="datetimeFigureOut">
               <a:rPr kumimoji="1" lang="ko-KR" altLang="en-US" smtClean="0"/>
-              <a:t>2017-05-04</a:t>
+              <a:pPr/>
+              <a:t>2017-05-05</a:t>
             </a:fld>
             <a:endParaRPr kumimoji="1" lang="ko-KR" altLang="en-US"/>
           </a:p>
@@ -323,6 +324,7 @@
           <a:p>
             <a:fld id="{2B8FFB26-D7FB-1E45-8948-B5EE06A03473}" type="slidenum">
               <a:rPr kumimoji="1" lang="ko-KR" altLang="en-US" smtClean="0"/>
+              <a:pPr/>
               <a:t>‹#›</a:t>
             </a:fld>
             <a:endParaRPr kumimoji="1" lang="ko-KR" altLang="en-US"/>
@@ -332,7 +334,7 @@
     </p:spTree>
     <p:extLst>
       <p:ext uri="{BB962C8B-B14F-4D97-AF65-F5344CB8AC3E}">
-        <p14:creationId xmlns:p14="http://schemas.microsoft.com/office/powerpoint/2010/main" val="1346057156"/>
+        <p14:creationId xmlns:p14="http://schemas.microsoft.com/office/powerpoint/2010/main" xmlns="" val="1346057156"/>
       </p:ext>
     </p:extLst>
   </p:cSld>
@@ -422,7 +424,8 @@
           <a:p>
             <a:fld id="{ABD44343-005F-DA4E-8CE2-D84E76ABEFED}" type="datetimeFigureOut">
               <a:rPr kumimoji="1" lang="ko-KR" altLang="en-US" smtClean="0"/>
-              <a:t>2017-05-04</a:t>
+              <a:pPr/>
+              <a:t>2017-05-05</a:t>
             </a:fld>
             <a:endParaRPr kumimoji="1" lang="ko-KR" altLang="en-US"/>
           </a:p>
@@ -580,6 +583,7 @@
           <a:p>
             <a:fld id="{D39C498E-0BA9-4748-85A3-59023D192E99}" type="slidenum">
               <a:rPr kumimoji="1" lang="ko-KR" altLang="en-US" smtClean="0"/>
+              <a:pPr/>
               <a:t>‹#›</a:t>
             </a:fld>
             <a:endParaRPr kumimoji="1" lang="ko-KR" altLang="en-US"/>
@@ -589,7 +593,7 @@
     </p:spTree>
     <p:extLst>
       <p:ext uri="{BB962C8B-B14F-4D97-AF65-F5344CB8AC3E}">
-        <p14:creationId xmlns:p14="http://schemas.microsoft.com/office/powerpoint/2010/main" val="1183702078"/>
+        <p14:creationId xmlns:p14="http://schemas.microsoft.com/office/powerpoint/2010/main" xmlns="" val="1183702078"/>
       </p:ext>
     </p:extLst>
   </p:cSld>
@@ -754,6 +758,7 @@
           <a:p>
             <a:fld id="{D39C498E-0BA9-4748-85A3-59023D192E99}" type="slidenum">
               <a:rPr kumimoji="1" lang="ko-KR" altLang="en-US" smtClean="0"/>
+              <a:pPr/>
               <a:t>13</a:t>
             </a:fld>
             <a:endParaRPr kumimoji="1" lang="ko-KR" altLang="en-US"/>
@@ -763,7 +768,7 @@
     </p:spTree>
     <p:extLst>
       <p:ext uri="{BB962C8B-B14F-4D97-AF65-F5344CB8AC3E}">
-        <p14:creationId xmlns:p14="http://schemas.microsoft.com/office/powerpoint/2010/main" val="1298272383"/>
+        <p14:creationId xmlns:p14="http://schemas.microsoft.com/office/powerpoint/2010/main" xmlns="" val="1298272383"/>
       </p:ext>
     </p:extLst>
   </p:cSld>
@@ -838,6 +843,7 @@
           <a:p>
             <a:fld id="{D39C498E-0BA9-4748-85A3-59023D192E99}" type="slidenum">
               <a:rPr kumimoji="1" lang="ko-KR" altLang="en-US" smtClean="0"/>
+              <a:pPr/>
               <a:t>15</a:t>
             </a:fld>
             <a:endParaRPr kumimoji="1" lang="ko-KR" altLang="en-US"/>
@@ -847,7 +853,7 @@
     </p:spTree>
     <p:extLst>
       <p:ext uri="{BB962C8B-B14F-4D97-AF65-F5344CB8AC3E}">
-        <p14:creationId xmlns:p14="http://schemas.microsoft.com/office/powerpoint/2010/main" val="704854212"/>
+        <p14:creationId xmlns:p14="http://schemas.microsoft.com/office/powerpoint/2010/main" xmlns="" val="704854212"/>
       </p:ext>
     </p:extLst>
   </p:cSld>
@@ -922,6 +928,7 @@
           <a:p>
             <a:fld id="{D39C498E-0BA9-4748-85A3-59023D192E99}" type="slidenum">
               <a:rPr kumimoji="1" lang="ko-KR" altLang="en-US" smtClean="0"/>
+              <a:pPr/>
               <a:t>17</a:t>
             </a:fld>
             <a:endParaRPr kumimoji="1" lang="ko-KR" altLang="en-US"/>
@@ -931,7 +938,7 @@
     </p:spTree>
     <p:extLst>
       <p:ext uri="{BB962C8B-B14F-4D97-AF65-F5344CB8AC3E}">
-        <p14:creationId xmlns:p14="http://schemas.microsoft.com/office/powerpoint/2010/main" val="3731061897"/>
+        <p14:creationId xmlns:p14="http://schemas.microsoft.com/office/powerpoint/2010/main" xmlns="" val="3731061897"/>
       </p:ext>
     </p:extLst>
   </p:cSld>
@@ -1070,7 +1077,8 @@
           <a:p>
             <a:fld id="{9A7BEA77-FCFD-E34F-8955-12C1E82451E3}" type="datetimeFigureOut">
               <a:rPr kumimoji="1" lang="ko-KR" altLang="en-US" smtClean="0"/>
-              <a:t>2017-05-04</a:t>
+              <a:pPr/>
+              <a:t>2017-05-05</a:t>
             </a:fld>
             <a:endParaRPr kumimoji="1" lang="ko-KR" altLang="en-US"/>
           </a:p>
@@ -1112,6 +1120,7 @@
           <a:p>
             <a:fld id="{70884A4D-7F54-BA49-81E9-95E3ECF5AD17}" type="slidenum">
               <a:rPr kumimoji="1" lang="ko-KR" altLang="en-US" smtClean="0"/>
+              <a:pPr/>
               <a:t>‹#›</a:t>
             </a:fld>
             <a:endParaRPr kumimoji="1" lang="ko-KR" altLang="en-US"/>
@@ -1121,7 +1130,7 @@
     </p:spTree>
     <p:extLst>
       <p:ext uri="{BB962C8B-B14F-4D97-AF65-F5344CB8AC3E}">
-        <p14:creationId xmlns:p14="http://schemas.microsoft.com/office/powerpoint/2010/main" val="1830675243"/>
+        <p14:creationId xmlns:p14="http://schemas.microsoft.com/office/powerpoint/2010/main" xmlns="" val="1830675243"/>
       </p:ext>
     </p:extLst>
   </p:cSld>
@@ -1238,7 +1247,8 @@
           <a:p>
             <a:fld id="{9A7BEA77-FCFD-E34F-8955-12C1E82451E3}" type="datetimeFigureOut">
               <a:rPr kumimoji="1" lang="ko-KR" altLang="en-US" smtClean="0"/>
-              <a:t>2017-05-04</a:t>
+              <a:pPr/>
+              <a:t>2017-05-05</a:t>
             </a:fld>
             <a:endParaRPr kumimoji="1" lang="ko-KR" altLang="en-US"/>
           </a:p>
@@ -1280,6 +1290,7 @@
           <a:p>
             <a:fld id="{70884A4D-7F54-BA49-81E9-95E3ECF5AD17}" type="slidenum">
               <a:rPr kumimoji="1" lang="ko-KR" altLang="en-US" smtClean="0"/>
+              <a:pPr/>
               <a:t>‹#›</a:t>
             </a:fld>
             <a:endParaRPr kumimoji="1" lang="ko-KR" altLang="en-US"/>
@@ -1289,7 +1300,7 @@
     </p:spTree>
     <p:extLst>
       <p:ext uri="{BB962C8B-B14F-4D97-AF65-F5344CB8AC3E}">
-        <p14:creationId xmlns:p14="http://schemas.microsoft.com/office/powerpoint/2010/main" val="456422572"/>
+        <p14:creationId xmlns:p14="http://schemas.microsoft.com/office/powerpoint/2010/main" xmlns="" val="456422572"/>
       </p:ext>
     </p:extLst>
   </p:cSld>
@@ -1416,7 +1427,8 @@
           <a:p>
             <a:fld id="{9A7BEA77-FCFD-E34F-8955-12C1E82451E3}" type="datetimeFigureOut">
               <a:rPr kumimoji="1" lang="ko-KR" altLang="en-US" smtClean="0"/>
-              <a:t>2017-05-04</a:t>
+              <a:pPr/>
+              <a:t>2017-05-05</a:t>
             </a:fld>
             <a:endParaRPr kumimoji="1" lang="ko-KR" altLang="en-US"/>
           </a:p>
@@ -1458,6 +1470,7 @@
           <a:p>
             <a:fld id="{70884A4D-7F54-BA49-81E9-95E3ECF5AD17}" type="slidenum">
               <a:rPr kumimoji="1" lang="ko-KR" altLang="en-US" smtClean="0"/>
+              <a:pPr/>
               <a:t>‹#›</a:t>
             </a:fld>
             <a:endParaRPr kumimoji="1" lang="ko-KR" altLang="en-US"/>
@@ -1467,7 +1480,7 @@
     </p:spTree>
     <p:extLst>
       <p:ext uri="{BB962C8B-B14F-4D97-AF65-F5344CB8AC3E}">
-        <p14:creationId xmlns:p14="http://schemas.microsoft.com/office/powerpoint/2010/main" val="282580520"/>
+        <p14:creationId xmlns:p14="http://schemas.microsoft.com/office/powerpoint/2010/main" xmlns="" val="282580520"/>
       </p:ext>
     </p:extLst>
   </p:cSld>
@@ -1584,7 +1597,8 @@
           <a:p>
             <a:fld id="{9A7BEA77-FCFD-E34F-8955-12C1E82451E3}" type="datetimeFigureOut">
               <a:rPr kumimoji="1" lang="ko-KR" altLang="en-US" smtClean="0"/>
-              <a:t>2017-05-04</a:t>
+              <a:pPr/>
+              <a:t>2017-05-05</a:t>
             </a:fld>
             <a:endParaRPr kumimoji="1" lang="ko-KR" altLang="en-US"/>
           </a:p>
@@ -1626,6 +1640,7 @@
           <a:p>
             <a:fld id="{70884A4D-7F54-BA49-81E9-95E3ECF5AD17}" type="slidenum">
               <a:rPr kumimoji="1" lang="ko-KR" altLang="en-US" smtClean="0"/>
+              <a:pPr/>
               <a:t>‹#›</a:t>
             </a:fld>
             <a:endParaRPr kumimoji="1" lang="ko-KR" altLang="en-US"/>
@@ -1635,7 +1650,7 @@
     </p:spTree>
     <p:extLst>
       <p:ext uri="{BB962C8B-B14F-4D97-AF65-F5344CB8AC3E}">
-        <p14:creationId xmlns:p14="http://schemas.microsoft.com/office/powerpoint/2010/main" val="796188794"/>
+        <p14:creationId xmlns:p14="http://schemas.microsoft.com/office/powerpoint/2010/main" xmlns="" val="796188794"/>
       </p:ext>
     </p:extLst>
   </p:cSld>
@@ -1829,7 +1844,8 @@
           <a:p>
             <a:fld id="{9A7BEA77-FCFD-E34F-8955-12C1E82451E3}" type="datetimeFigureOut">
               <a:rPr kumimoji="1" lang="ko-KR" altLang="en-US" smtClean="0"/>
-              <a:t>2017-05-04</a:t>
+              <a:pPr/>
+              <a:t>2017-05-05</a:t>
             </a:fld>
             <a:endParaRPr kumimoji="1" lang="ko-KR" altLang="en-US"/>
           </a:p>
@@ -1871,6 +1887,7 @@
           <a:p>
             <a:fld id="{70884A4D-7F54-BA49-81E9-95E3ECF5AD17}" type="slidenum">
               <a:rPr kumimoji="1" lang="ko-KR" altLang="en-US" smtClean="0"/>
+              <a:pPr/>
               <a:t>‹#›</a:t>
             </a:fld>
             <a:endParaRPr kumimoji="1" lang="ko-KR" altLang="en-US"/>
@@ -1880,7 +1897,7 @@
     </p:spTree>
     <p:extLst>
       <p:ext uri="{BB962C8B-B14F-4D97-AF65-F5344CB8AC3E}">
-        <p14:creationId xmlns:p14="http://schemas.microsoft.com/office/powerpoint/2010/main" val="574456301"/>
+        <p14:creationId xmlns:p14="http://schemas.microsoft.com/office/powerpoint/2010/main" xmlns="" val="574456301"/>
       </p:ext>
     </p:extLst>
   </p:cSld>
@@ -2058,7 +2075,8 @@
           <a:p>
             <a:fld id="{9A7BEA77-FCFD-E34F-8955-12C1E82451E3}" type="datetimeFigureOut">
               <a:rPr kumimoji="1" lang="ko-KR" altLang="en-US" smtClean="0"/>
-              <a:t>2017-05-04</a:t>
+              <a:pPr/>
+              <a:t>2017-05-05</a:t>
             </a:fld>
             <a:endParaRPr kumimoji="1" lang="ko-KR" altLang="en-US"/>
           </a:p>
@@ -2100,6 +2118,7 @@
           <a:p>
             <a:fld id="{70884A4D-7F54-BA49-81E9-95E3ECF5AD17}" type="slidenum">
               <a:rPr kumimoji="1" lang="ko-KR" altLang="en-US" smtClean="0"/>
+              <a:pPr/>
               <a:t>‹#›</a:t>
             </a:fld>
             <a:endParaRPr kumimoji="1" lang="ko-KR" altLang="en-US"/>
@@ -2109,7 +2128,7 @@
     </p:spTree>
     <p:extLst>
       <p:ext uri="{BB962C8B-B14F-4D97-AF65-F5344CB8AC3E}">
-        <p14:creationId xmlns:p14="http://schemas.microsoft.com/office/powerpoint/2010/main" val="1948057642"/>
+        <p14:creationId xmlns:p14="http://schemas.microsoft.com/office/powerpoint/2010/main" xmlns="" val="1948057642"/>
       </p:ext>
     </p:extLst>
   </p:cSld>
@@ -2422,7 +2441,8 @@
           <a:p>
             <a:fld id="{9A7BEA77-FCFD-E34F-8955-12C1E82451E3}" type="datetimeFigureOut">
               <a:rPr kumimoji="1" lang="ko-KR" altLang="en-US" smtClean="0"/>
-              <a:t>2017-05-04</a:t>
+              <a:pPr/>
+              <a:t>2017-05-05</a:t>
             </a:fld>
             <a:endParaRPr kumimoji="1" lang="ko-KR" altLang="en-US"/>
           </a:p>
@@ -2464,6 +2484,7 @@
           <a:p>
             <a:fld id="{70884A4D-7F54-BA49-81E9-95E3ECF5AD17}" type="slidenum">
               <a:rPr kumimoji="1" lang="ko-KR" altLang="en-US" smtClean="0"/>
+              <a:pPr/>
               <a:t>‹#›</a:t>
             </a:fld>
             <a:endParaRPr kumimoji="1" lang="ko-KR" altLang="en-US"/>
@@ -2473,7 +2494,7 @@
     </p:spTree>
     <p:extLst>
       <p:ext uri="{BB962C8B-B14F-4D97-AF65-F5344CB8AC3E}">
-        <p14:creationId xmlns:p14="http://schemas.microsoft.com/office/powerpoint/2010/main" val="469106932"/>
+        <p14:creationId xmlns:p14="http://schemas.microsoft.com/office/powerpoint/2010/main" xmlns="" val="469106932"/>
       </p:ext>
     </p:extLst>
   </p:cSld>
@@ -2539,7 +2560,8 @@
           <a:p>
             <a:fld id="{9A7BEA77-FCFD-E34F-8955-12C1E82451E3}" type="datetimeFigureOut">
               <a:rPr kumimoji="1" lang="ko-KR" altLang="en-US" smtClean="0"/>
-              <a:t>2017-05-04</a:t>
+              <a:pPr/>
+              <a:t>2017-05-05</a:t>
             </a:fld>
             <a:endParaRPr kumimoji="1" lang="ko-KR" altLang="en-US"/>
           </a:p>
@@ -2581,6 +2603,7 @@
           <a:p>
             <a:fld id="{70884A4D-7F54-BA49-81E9-95E3ECF5AD17}" type="slidenum">
               <a:rPr kumimoji="1" lang="ko-KR" altLang="en-US" smtClean="0"/>
+              <a:pPr/>
               <a:t>‹#›</a:t>
             </a:fld>
             <a:endParaRPr kumimoji="1" lang="ko-KR" altLang="en-US"/>
@@ -2590,7 +2613,7 @@
     </p:spTree>
     <p:extLst>
       <p:ext uri="{BB962C8B-B14F-4D97-AF65-F5344CB8AC3E}">
-        <p14:creationId xmlns:p14="http://schemas.microsoft.com/office/powerpoint/2010/main" val="867737987"/>
+        <p14:creationId xmlns:p14="http://schemas.microsoft.com/office/powerpoint/2010/main" xmlns="" val="867737987"/>
       </p:ext>
     </p:extLst>
   </p:cSld>
@@ -2634,7 +2657,8 @@
           <a:p>
             <a:fld id="{9A7BEA77-FCFD-E34F-8955-12C1E82451E3}" type="datetimeFigureOut">
               <a:rPr kumimoji="1" lang="ko-KR" altLang="en-US" smtClean="0"/>
-              <a:t>2017-05-04</a:t>
+              <a:pPr/>
+              <a:t>2017-05-05</a:t>
             </a:fld>
             <a:endParaRPr kumimoji="1" lang="ko-KR" altLang="en-US"/>
           </a:p>
@@ -2676,6 +2700,7 @@
           <a:p>
             <a:fld id="{70884A4D-7F54-BA49-81E9-95E3ECF5AD17}" type="slidenum">
               <a:rPr kumimoji="1" lang="ko-KR" altLang="en-US" smtClean="0"/>
+              <a:pPr/>
               <a:t>‹#›</a:t>
             </a:fld>
             <a:endParaRPr kumimoji="1" lang="ko-KR" altLang="en-US"/>
@@ -2685,7 +2710,7 @@
     </p:spTree>
     <p:extLst>
       <p:ext uri="{BB962C8B-B14F-4D97-AF65-F5344CB8AC3E}">
-        <p14:creationId xmlns:p14="http://schemas.microsoft.com/office/powerpoint/2010/main" val="510900732"/>
+        <p14:creationId xmlns:p14="http://schemas.microsoft.com/office/powerpoint/2010/main" xmlns="" val="510900732"/>
       </p:ext>
     </p:extLst>
   </p:cSld>
@@ -2909,7 +2934,8 @@
           <a:p>
             <a:fld id="{9A7BEA77-FCFD-E34F-8955-12C1E82451E3}" type="datetimeFigureOut">
               <a:rPr kumimoji="1" lang="ko-KR" altLang="en-US" smtClean="0"/>
-              <a:t>2017-05-04</a:t>
+              <a:pPr/>
+              <a:t>2017-05-05</a:t>
             </a:fld>
             <a:endParaRPr kumimoji="1" lang="ko-KR" altLang="en-US"/>
           </a:p>
@@ -2951,6 +2977,7 @@
           <a:p>
             <a:fld id="{70884A4D-7F54-BA49-81E9-95E3ECF5AD17}" type="slidenum">
               <a:rPr kumimoji="1" lang="ko-KR" altLang="en-US" smtClean="0"/>
+              <a:pPr/>
               <a:t>‹#›</a:t>
             </a:fld>
             <a:endParaRPr kumimoji="1" lang="ko-KR" altLang="en-US"/>
@@ -2960,7 +2987,7 @@
     </p:spTree>
     <p:extLst>
       <p:ext uri="{BB962C8B-B14F-4D97-AF65-F5344CB8AC3E}">
-        <p14:creationId xmlns:p14="http://schemas.microsoft.com/office/powerpoint/2010/main" val="1068982018"/>
+        <p14:creationId xmlns:p14="http://schemas.microsoft.com/office/powerpoint/2010/main" xmlns="" val="1068982018"/>
       </p:ext>
     </p:extLst>
   </p:cSld>
@@ -3161,7 +3188,8 @@
           <a:p>
             <a:fld id="{9A7BEA77-FCFD-E34F-8955-12C1E82451E3}" type="datetimeFigureOut">
               <a:rPr kumimoji="1" lang="ko-KR" altLang="en-US" smtClean="0"/>
-              <a:t>2017-05-04</a:t>
+              <a:pPr/>
+              <a:t>2017-05-05</a:t>
             </a:fld>
             <a:endParaRPr kumimoji="1" lang="ko-KR" altLang="en-US"/>
           </a:p>
@@ -3203,6 +3231,7 @@
           <a:p>
             <a:fld id="{70884A4D-7F54-BA49-81E9-95E3ECF5AD17}" type="slidenum">
               <a:rPr kumimoji="1" lang="ko-KR" altLang="en-US" smtClean="0"/>
+              <a:pPr/>
               <a:t>‹#›</a:t>
             </a:fld>
             <a:endParaRPr kumimoji="1" lang="ko-KR" altLang="en-US"/>
@@ -3212,7 +3241,7 @@
     </p:spTree>
     <p:extLst>
       <p:ext uri="{BB962C8B-B14F-4D97-AF65-F5344CB8AC3E}">
-        <p14:creationId xmlns:p14="http://schemas.microsoft.com/office/powerpoint/2010/main" val="532585724"/>
+        <p14:creationId xmlns:p14="http://schemas.microsoft.com/office/powerpoint/2010/main" xmlns="" val="532585724"/>
       </p:ext>
     </p:extLst>
   </p:cSld>
@@ -3372,7 +3401,8 @@
           <a:p>
             <a:fld id="{9A7BEA77-FCFD-E34F-8955-12C1E82451E3}" type="datetimeFigureOut">
               <a:rPr kumimoji="1" lang="ko-KR" altLang="en-US" smtClean="0"/>
-              <a:t>2017-05-04</a:t>
+              <a:pPr/>
+              <a:t>2017-05-05</a:t>
             </a:fld>
             <a:endParaRPr kumimoji="1" lang="ko-KR" altLang="en-US"/>
           </a:p>
@@ -3450,6 +3480,7 @@
           <a:p>
             <a:fld id="{70884A4D-7F54-BA49-81E9-95E3ECF5AD17}" type="slidenum">
               <a:rPr kumimoji="1" lang="ko-KR" altLang="en-US" smtClean="0"/>
+              <a:pPr/>
               <a:t>‹#›</a:t>
             </a:fld>
             <a:endParaRPr kumimoji="1" lang="ko-KR" altLang="en-US"/>
@@ -3468,7 +3499,7 @@
           <a:blip r:embed="rId13" cstate="email">
             <a:extLst>
               <a:ext uri="{28A0092B-C50C-407E-A947-70E740481C1C}">
-                <a14:useLocalDpi xmlns:a14="http://schemas.microsoft.com/office/drawing/2010/main"/>
+                <a14:useLocalDpi xmlns:a14="http://schemas.microsoft.com/office/drawing/2010/main" xmlns=""/>
               </a:ext>
             </a:extLst>
           </a:blip>
@@ -3489,7 +3520,7 @@
     </p:spTree>
     <p:extLst>
       <p:ext uri="{BB962C8B-B14F-4D97-AF65-F5344CB8AC3E}">
-        <p14:creationId xmlns:p14="http://schemas.microsoft.com/office/powerpoint/2010/main" val="870627522"/>
+        <p14:creationId xmlns:p14="http://schemas.microsoft.com/office/powerpoint/2010/main" xmlns="" val="870627522"/>
       </p:ext>
     </p:extLst>
   </p:cSld>
@@ -4286,7 +4317,7 @@
     </p:spTree>
     <p:extLst>
       <p:ext uri="{BB962C8B-B14F-4D97-AF65-F5344CB8AC3E}">
-        <p14:creationId xmlns:p14="http://schemas.microsoft.com/office/powerpoint/2010/main" val="889980629"/>
+        <p14:creationId xmlns:p14="http://schemas.microsoft.com/office/powerpoint/2010/main" xmlns="" val="889980629"/>
       </p:ext>
     </p:extLst>
   </p:cSld>
@@ -4844,7 +4875,7 @@
     </p:spTree>
     <p:extLst>
       <p:ext uri="{BB962C8B-B14F-4D97-AF65-F5344CB8AC3E}">
-        <p14:creationId xmlns:p14="http://schemas.microsoft.com/office/powerpoint/2010/main" val="3331525095"/>
+        <p14:creationId xmlns:p14="http://schemas.microsoft.com/office/powerpoint/2010/main" xmlns="" val="3331525095"/>
       </p:ext>
     </p:extLst>
   </p:cSld>
@@ -5108,7 +5139,7 @@
         <p:spPr>
           <a:xfrm>
             <a:off x="638628" y="2519142"/>
-            <a:ext cx="10014856" cy="4007251"/>
+            <a:ext cx="10014856" cy="1865126"/>
           </a:xfrm>
           <a:prstGeom prst="rect">
             <a:avLst/>
@@ -5129,124 +5160,32 @@
               <a:buChar char="-"/>
             </a:pPr>
             <a:r>
-              <a:rPr lang="ko-KR" altLang="en-US" sz="3200" dirty="0">
+              <a:rPr lang="ko-KR" altLang="en-US" sz="3200" dirty="0" err="1" smtClean="0">
                 <a:solidFill>
                   <a:schemeClr val="bg1"/>
                 </a:solidFill>
               </a:rPr>
-              <a:t>총 </a:t>
-            </a:r>
-            <a:r>
-              <a:rPr lang="en-US" altLang="ko-KR" sz="3200" dirty="0">
+              <a:t>디퍼드</a:t>
+            </a:r>
+            <a:r>
+              <a:rPr lang="ko-KR" altLang="en-US" sz="3200" dirty="0" smtClean="0">
                 <a:solidFill>
                   <a:schemeClr val="bg1"/>
                 </a:solidFill>
               </a:rPr>
-              <a:t>23</a:t>
-            </a:r>
-            <a:r>
-              <a:rPr lang="ko-KR" altLang="en-US" sz="3200" dirty="0">
+              <a:t> </a:t>
+            </a:r>
+            <a:r>
+              <a:rPr lang="ko-KR" altLang="en-US" sz="3200" dirty="0" err="1" smtClean="0">
                 <a:solidFill>
                   <a:schemeClr val="bg1"/>
                 </a:solidFill>
               </a:rPr>
-              <a:t>종의 모델 제작</a:t>
-            </a:r>
-            <a:endParaRPr lang="en-US" altLang="ko-KR" sz="3200" dirty="0">
+              <a:t>셰이딩</a:t>
+            </a:r>
+            <a:endParaRPr lang="en-US" altLang="ko-KR" sz="3200" dirty="0" smtClean="0">
               <a:solidFill>
                 <a:schemeClr val="bg1"/>
-              </a:solidFill>
-            </a:endParaRPr>
-          </a:p>
-          <a:p>
-            <a:pPr marL="1028700" lvl="1" indent="-571500">
-              <a:lnSpc>
-                <a:spcPct val="120000"/>
-              </a:lnSpc>
-              <a:buFontTx/>
-              <a:buChar char="-"/>
-            </a:pPr>
-            <a:r>
-              <a:rPr lang="ko-KR" altLang="en-US" sz="2800" dirty="0">
-                <a:solidFill>
-                  <a:schemeClr val="bg1">
-                    <a:lumMod val="50000"/>
-                  </a:schemeClr>
-                </a:solidFill>
-              </a:rPr>
-              <a:t>플레이어 애니메이션 </a:t>
-            </a:r>
-            <a:r>
-              <a:rPr lang="en-US" altLang="ko-KR" sz="2800" dirty="0">
-                <a:solidFill>
-                  <a:schemeClr val="bg1">
-                    <a:lumMod val="50000"/>
-                  </a:schemeClr>
-                </a:solidFill>
-              </a:rPr>
-              <a:t>16</a:t>
-            </a:r>
-            <a:r>
-              <a:rPr lang="ko-KR" altLang="en-US" sz="2800" dirty="0">
-                <a:solidFill>
-                  <a:schemeClr val="bg1">
-                    <a:lumMod val="50000"/>
-                  </a:schemeClr>
-                </a:solidFill>
-              </a:rPr>
-              <a:t>종</a:t>
-            </a:r>
-            <a:endParaRPr lang="en-US" altLang="ko-KR" sz="2800" dirty="0">
-              <a:solidFill>
-                <a:schemeClr val="bg1">
-                  <a:lumMod val="50000"/>
-                </a:schemeClr>
-              </a:solidFill>
-            </a:endParaRPr>
-          </a:p>
-          <a:p>
-            <a:pPr marL="1028700" lvl="1" indent="-571500">
-              <a:lnSpc>
-                <a:spcPct val="120000"/>
-              </a:lnSpc>
-              <a:buFontTx/>
-              <a:buChar char="-"/>
-            </a:pPr>
-            <a:r>
-              <a:rPr lang="ko-KR" altLang="en-US" sz="2800" dirty="0">
-                <a:solidFill>
-                  <a:schemeClr val="bg1">
-                    <a:lumMod val="50000"/>
-                  </a:schemeClr>
-                </a:solidFill>
-              </a:rPr>
-              <a:t>몬스터 애니메이션 </a:t>
-            </a:r>
-            <a:r>
-              <a:rPr lang="en-US" altLang="ko-KR" sz="2800" dirty="0">
-                <a:solidFill>
-                  <a:schemeClr val="bg1">
-                    <a:lumMod val="50000"/>
-                  </a:schemeClr>
-                </a:solidFill>
-              </a:rPr>
-              <a:t>5</a:t>
-            </a:r>
-            <a:r>
-              <a:rPr lang="ko-KR" altLang="en-US" sz="2800" dirty="0">
-                <a:solidFill>
-                  <a:schemeClr val="bg1">
-                    <a:lumMod val="50000"/>
-                  </a:schemeClr>
-                </a:solidFill>
-              </a:rPr>
-              <a:t>종</a:t>
-            </a:r>
-            <a:endParaRPr lang="en-US" altLang="ko-KR" sz="2800" dirty="0">
-              <a:solidFill>
-                <a:schemeClr val="bg1">
-                  <a:lumMod val="50000"/>
-                </a:schemeClr>
               </a:solidFill>
             </a:endParaRPr>
           </a:p>
@@ -5259,80 +5198,53 @@
               <a:buChar char="-"/>
             </a:pPr>
             <a:r>
-              <a:rPr lang="ko-KR" altLang="en-US" sz="3200" dirty="0">
+              <a:rPr lang="ko-KR" altLang="en-US" sz="3200" dirty="0" smtClean="0">
                 <a:solidFill>
                   <a:schemeClr val="bg1"/>
                 </a:solidFill>
               </a:rPr>
-              <a:t>유니티에서 터레인을 통해 </a:t>
-            </a:r>
-            <a:r>
-              <a:rPr lang="ko-KR" altLang="en-US" sz="3200" dirty="0" err="1">
+              <a:t>툰</a:t>
+            </a:r>
+            <a:r>
+              <a:rPr lang="en-US" altLang="ko-KR" sz="3200" dirty="0" smtClean="0">
                 <a:solidFill>
                   <a:schemeClr val="bg1"/>
                 </a:solidFill>
               </a:rPr>
-              <a:t>하이트맵</a:t>
-            </a:r>
-            <a:r>
-              <a:rPr lang="ko-KR" altLang="en-US" sz="3200" dirty="0">
+              <a:t>(</a:t>
+            </a:r>
+            <a:r>
+              <a:rPr lang="ko-KR" altLang="en-US" sz="3200" dirty="0" smtClean="0">
                 <a:solidFill>
                   <a:schemeClr val="bg1"/>
                 </a:solidFill>
               </a:rPr>
-              <a:t> </a:t>
-            </a:r>
-            <a:r>
-              <a:rPr lang="ko-KR" altLang="en-US" sz="3200" dirty="0"/>
-              <a:t>제작</a:t>
-            </a:r>
-            <a:endParaRPr lang="en-US" altLang="ko-KR" sz="3200" dirty="0"/>
-          </a:p>
-          <a:p>
-            <a:pPr marL="1028700" lvl="1" indent="-571500">
-              <a:lnSpc>
-                <a:spcPct val="120000"/>
-              </a:lnSpc>
-              <a:buFontTx/>
-              <a:buChar char="-"/>
-            </a:pPr>
-            <a:r>
-              <a:rPr lang="ko-KR" altLang="en-US" sz="2800" dirty="0">
-                <a:solidFill>
-                  <a:schemeClr val="bg1">
-                    <a:lumMod val="50000"/>
-                  </a:schemeClr>
-                </a:solidFill>
-              </a:rPr>
-              <a:t>제작 후 용도에 맞게 포토샵을 통해 </a:t>
-            </a:r>
-            <a:r>
-              <a:rPr lang="ko-KR" altLang="en-US" sz="2800" dirty="0" err="1">
-                <a:solidFill>
-                  <a:schemeClr val="bg1">
-                    <a:lumMod val="50000"/>
-                  </a:schemeClr>
-                </a:solidFill>
-              </a:rPr>
-              <a:t>텍스쳐</a:t>
-            </a:r>
-            <a:r>
-              <a:rPr lang="ko-KR" altLang="en-US" sz="2800" dirty="0">
-                <a:solidFill>
-                  <a:schemeClr val="bg1">
-                    <a:lumMod val="50000"/>
-                  </a:schemeClr>
-                </a:solidFill>
-              </a:rPr>
-              <a:t> 제작</a:t>
-            </a:r>
-            <a:endParaRPr lang="en-US" altLang="ko-KR" sz="2800" dirty="0">
-              <a:solidFill>
-                <a:schemeClr val="bg1">
-                  <a:lumMod val="50000"/>
-                </a:schemeClr>
-              </a:solidFill>
-            </a:endParaRPr>
+              <a:t>명암</a:t>
+            </a:r>
+            <a:r>
+              <a:rPr lang="en-US" altLang="ko-KR" sz="3200" dirty="0" smtClean="0">
+                <a:solidFill>
+                  <a:schemeClr val="bg1"/>
+                </a:solidFill>
+              </a:rPr>
+              <a:t>, </a:t>
+            </a:r>
+            <a:r>
+              <a:rPr lang="ko-KR" altLang="en-US" sz="3200" dirty="0" smtClean="0">
+                <a:solidFill>
+                  <a:schemeClr val="bg1"/>
+                </a:solidFill>
+              </a:rPr>
+              <a:t>윤곽선</a:t>
+            </a:r>
+            <a:r>
+              <a:rPr lang="en-US" altLang="ko-KR" sz="3200" dirty="0" smtClean="0">
+                <a:solidFill>
+                  <a:schemeClr val="bg1"/>
+                </a:solidFill>
+              </a:rPr>
+              <a:t>)</a:t>
+            </a:r>
           </a:p>
           <a:p>
             <a:pPr marL="571500" indent="-571500">
@@ -5343,71 +5255,33 @@
               <a:buChar char="-"/>
             </a:pPr>
             <a:r>
-              <a:rPr lang="ko-KR" altLang="en-US" sz="3200" dirty="0" err="1">
+              <a:rPr lang="ko-KR" altLang="en-US" sz="3200" dirty="0" smtClean="0">
                 <a:solidFill>
                   <a:schemeClr val="bg1"/>
                 </a:solidFill>
               </a:rPr>
-              <a:t>맵툴을</a:t>
-            </a:r>
-            <a:r>
-              <a:rPr lang="ko-KR" altLang="en-US" sz="3200" dirty="0">
+              <a:t>그 밖의 모든 </a:t>
+            </a:r>
+            <a:r>
+              <a:rPr lang="ko-KR" altLang="en-US" sz="3200" dirty="0" err="1" smtClean="0">
                 <a:solidFill>
                   <a:schemeClr val="bg1"/>
                 </a:solidFill>
               </a:rPr>
-              <a:t> 활용한 제작 리소스 조립</a:t>
-            </a:r>
-            <a:endParaRPr lang="en-US" altLang="ko-KR" sz="3200" dirty="0">
+              <a:t>랜더링</a:t>
+            </a:r>
+            <a:endParaRPr lang="en-US" altLang="ko-KR" sz="3200" dirty="0" smtClean="0">
               <a:solidFill>
                 <a:schemeClr val="bg1"/>
               </a:solidFill>
             </a:endParaRPr>
           </a:p>
-          <a:p>
-            <a:pPr marL="571500" indent="-571500">
-              <a:lnSpc>
-                <a:spcPct val="120000"/>
-              </a:lnSpc>
-              <a:buFontTx/>
-              <a:buChar char="-"/>
-            </a:pPr>
-            <a:r>
-              <a:rPr lang="ko-KR" altLang="en-US" sz="3200" dirty="0" err="1">
-                <a:solidFill>
-                  <a:schemeClr val="bg1"/>
-                </a:solidFill>
-              </a:rPr>
-              <a:t>스테이터스</a:t>
-            </a:r>
-            <a:r>
-              <a:rPr lang="ko-KR" altLang="en-US" sz="3200" dirty="0">
-                <a:solidFill>
-                  <a:schemeClr val="bg1"/>
-                </a:solidFill>
-              </a:rPr>
-              <a:t> 출력 관련 </a:t>
-            </a:r>
-            <a:r>
-              <a:rPr lang="en-US" altLang="ko-KR" sz="3200" dirty="0">
-                <a:solidFill>
-                  <a:schemeClr val="bg1"/>
-                </a:solidFill>
-              </a:rPr>
-              <a:t>UI </a:t>
-            </a:r>
-            <a:r>
-              <a:rPr lang="ko-KR" altLang="en-US" sz="3200" dirty="0"/>
-              <a:t>제작</a:t>
-            </a:r>
-            <a:endParaRPr lang="en-US" altLang="ko-KR" sz="3200" dirty="0"/>
-          </a:p>
         </p:txBody>
       </p:sp>
     </p:spTree>
     <p:extLst>
       <p:ext uri="{BB962C8B-B14F-4D97-AF65-F5344CB8AC3E}">
-        <p14:creationId xmlns:p14="http://schemas.microsoft.com/office/powerpoint/2010/main" val="3640054737"/>
+        <p14:creationId xmlns:p14="http://schemas.microsoft.com/office/powerpoint/2010/main" xmlns="" val="3640054737"/>
       </p:ext>
     </p:extLst>
   </p:cSld>
@@ -5695,7 +5569,7 @@
     </p:spTree>
     <p:extLst>
       <p:ext uri="{BB962C8B-B14F-4D97-AF65-F5344CB8AC3E}">
-        <p14:creationId xmlns:p14="http://schemas.microsoft.com/office/powerpoint/2010/main" val="50278168"/>
+        <p14:creationId xmlns:p14="http://schemas.microsoft.com/office/powerpoint/2010/main" xmlns="" val="50278168"/>
       </p:ext>
     </p:extLst>
   </p:cSld>
@@ -6141,7 +6015,7 @@
     </p:spTree>
     <p:extLst>
       <p:ext uri="{BB962C8B-B14F-4D97-AF65-F5344CB8AC3E}">
-        <p14:creationId xmlns:p14="http://schemas.microsoft.com/office/powerpoint/2010/main" val="2251952046"/>
+        <p14:creationId xmlns:p14="http://schemas.microsoft.com/office/powerpoint/2010/main" xmlns="" val="2251952046"/>
       </p:ext>
     </p:extLst>
   </p:cSld>
@@ -7651,7 +7525,7 @@
     </p:spTree>
     <p:extLst>
       <p:ext uri="{BB962C8B-B14F-4D97-AF65-F5344CB8AC3E}">
-        <p14:creationId xmlns:p14="http://schemas.microsoft.com/office/powerpoint/2010/main" val="771827545"/>
+        <p14:creationId xmlns:p14="http://schemas.microsoft.com/office/powerpoint/2010/main" xmlns="" val="771827545"/>
       </p:ext>
     </p:extLst>
   </p:cSld>
@@ -7661,8 +7535,8 @@
   <p:transition spd="slow">
     <p:push dir="u"/>
   </p:transition>
-  <mc:AlternateContent xmlns:mc="http://schemas.openxmlformats.org/markup-compatibility/2006" xmlns:p14="http://schemas.microsoft.com/office/powerpoint/2010/main">
-    <mc:Choice Requires="p14">
+  <mc:AlternateContent xmlns:mc="http://schemas.openxmlformats.org/markup-compatibility/2006">
+    <mc:Choice xmlns:p14="http://schemas.microsoft.com/office/powerpoint/2010/main" xmlns="" Requires="p14">
       <p:timing>
         <p:tnLst>
           <p:par>
@@ -7788,7 +7662,7 @@
         </p:tnLst>
       </p:timing>
     </mc:Choice>
-    <mc:Fallback xmlns="">
+    <mc:Fallback>
       <p:timing>
         <p:tnLst>
           <p:par>
@@ -10937,7 +10811,7 @@
     </p:spTree>
     <p:extLst>
       <p:ext uri="{BB962C8B-B14F-4D97-AF65-F5344CB8AC3E}">
-        <p14:creationId xmlns:p14="http://schemas.microsoft.com/office/powerpoint/2010/main" val="50008626"/>
+        <p14:creationId xmlns:p14="http://schemas.microsoft.com/office/powerpoint/2010/main" xmlns="" val="50008626"/>
       </p:ext>
     </p:extLst>
   </p:cSld>
@@ -12161,7 +12035,7 @@
     </p:spTree>
     <p:extLst>
       <p:ext uri="{BB962C8B-B14F-4D97-AF65-F5344CB8AC3E}">
-        <p14:creationId xmlns:p14="http://schemas.microsoft.com/office/powerpoint/2010/main" val="1443592203"/>
+        <p14:creationId xmlns:p14="http://schemas.microsoft.com/office/powerpoint/2010/main" xmlns="" val="1443592203"/>
       </p:ext>
     </p:extLst>
   </p:cSld>
@@ -13983,7 +13857,7 @@
     </p:spTree>
     <p:extLst>
       <p:ext uri="{BB962C8B-B14F-4D97-AF65-F5344CB8AC3E}">
-        <p14:creationId xmlns:p14="http://schemas.microsoft.com/office/powerpoint/2010/main" val="516771458"/>
+        <p14:creationId xmlns:p14="http://schemas.microsoft.com/office/powerpoint/2010/main" xmlns="" val="516771458"/>
       </p:ext>
     </p:extLst>
   </p:cSld>
@@ -15256,22 +15130,22 @@
     </p:spTree>
     <p:extLst>
       <p:ext uri="{BB962C8B-B14F-4D97-AF65-F5344CB8AC3E}">
-        <p14:creationId xmlns:p14="http://schemas.microsoft.com/office/powerpoint/2010/main" val="1758201785"/>
+        <p14:creationId xmlns:p14="http://schemas.microsoft.com/office/powerpoint/2010/main" xmlns="" val="1758201785"/>
       </p:ext>
     </p:extLst>
   </p:cSld>
   <p:clrMapOvr>
     <a:masterClrMapping/>
   </p:clrMapOvr>
-  <mc:AlternateContent xmlns:mc="http://schemas.openxmlformats.org/markup-compatibility/2006" xmlns:p14="http://schemas.microsoft.com/office/powerpoint/2010/main">
-    <mc:Choice Requires="p14">
+  <mc:AlternateContent xmlns:mc="http://schemas.openxmlformats.org/markup-compatibility/2006">
+    <mc:Choice xmlns:p14="http://schemas.microsoft.com/office/powerpoint/2010/main" xmlns="" Requires="p14">
       <p:transition spd="slow">
         <p:push/>
       </p:transition>
     </mc:Choice>
-    <mc:Fallback xmlns="">
+    <mc:Fallback>
       <p:transition spd="slow">
-        <p:push dir="l"/>
+        <p:push/>
       </p:transition>
     </mc:Fallback>
   </mc:AlternateContent>
@@ -15380,7 +15254,7 @@
     </p:spTree>
     <p:extLst>
       <p:ext uri="{BB962C8B-B14F-4D97-AF65-F5344CB8AC3E}">
-        <p14:creationId xmlns:p14="http://schemas.microsoft.com/office/powerpoint/2010/main" val="527490383"/>
+        <p14:creationId xmlns:p14="http://schemas.microsoft.com/office/powerpoint/2010/main" xmlns="" val="527490383"/>
       </p:ext>
     </p:extLst>
   </p:cSld>
@@ -15759,7 +15633,7 @@
     </p:spTree>
     <p:extLst>
       <p:ext uri="{BB962C8B-B14F-4D97-AF65-F5344CB8AC3E}">
-        <p14:creationId xmlns:p14="http://schemas.microsoft.com/office/powerpoint/2010/main" val="600843599"/>
+        <p14:creationId xmlns:p14="http://schemas.microsoft.com/office/powerpoint/2010/main" xmlns="" val="600843599"/>
       </p:ext>
     </p:extLst>
   </p:cSld>
@@ -16781,7 +16655,7 @@
               <a:blip r:embed="rId2" cstate="email">
                 <a:extLst>
                   <a:ext uri="{28A0092B-C50C-407E-A947-70E740481C1C}">
-                    <a14:useLocalDpi xmlns:a14="http://schemas.microsoft.com/office/drawing/2010/main"/>
+                    <a14:useLocalDpi xmlns:a14="http://schemas.microsoft.com/office/drawing/2010/main" xmlns=""/>
                   </a:ext>
                 </a:extLst>
               </a:blip>
@@ -17987,7 +17861,7 @@
           <a:blip r:embed="rId3" cstate="email">
             <a:extLst>
               <a:ext uri="{28A0092B-C50C-407E-A947-70E740481C1C}">
-                <a14:useLocalDpi xmlns:a14="http://schemas.microsoft.com/office/drawing/2010/main"/>
+                <a14:useLocalDpi xmlns:a14="http://schemas.microsoft.com/office/drawing/2010/main" xmlns=""/>
               </a:ext>
             </a:extLst>
           </a:blip>
@@ -18122,7 +17996,7 @@
           <a:blip r:embed="rId4" cstate="email">
             <a:extLst>
               <a:ext uri="{BEBA8EAE-BF5A-486C-A8C5-ECC9F3942E4B}">
-                <a14:imgProps xmlns:a14="http://schemas.microsoft.com/office/drawing/2010/main">
+                <a14:imgProps xmlns:a14="http://schemas.microsoft.com/office/drawing/2010/main" xmlns="">
                   <a14:imgLayer r:embed="rId5">
                     <a14:imgEffect>
                       <a14:backgroundRemoval t="9744" b="89776" l="0" r="100000">
@@ -18133,7 +18007,7 @@
                 </a14:imgProps>
               </a:ext>
               <a:ext uri="{28A0092B-C50C-407E-A947-70E740481C1C}">
-                <a14:useLocalDpi xmlns:a14="http://schemas.microsoft.com/office/drawing/2010/main"/>
+                <a14:useLocalDpi xmlns:a14="http://schemas.microsoft.com/office/drawing/2010/main" xmlns=""/>
               </a:ext>
             </a:extLst>
           </a:blip>
@@ -18163,7 +18037,7 @@
           <a:blip r:embed="rId4" cstate="email">
             <a:extLst>
               <a:ext uri="{BEBA8EAE-BF5A-486C-A8C5-ECC9F3942E4B}">
-                <a14:imgProps xmlns:a14="http://schemas.microsoft.com/office/drawing/2010/main">
+                <a14:imgProps xmlns:a14="http://schemas.microsoft.com/office/drawing/2010/main" xmlns="">
                   <a14:imgLayer r:embed="rId6">
                     <a14:imgEffect>
                       <a14:backgroundRemoval t="9744" b="89776" l="0" r="100000">
@@ -18174,7 +18048,7 @@
                 </a14:imgProps>
               </a:ext>
               <a:ext uri="{28A0092B-C50C-407E-A947-70E740481C1C}">
-                <a14:useLocalDpi xmlns:a14="http://schemas.microsoft.com/office/drawing/2010/main"/>
+                <a14:useLocalDpi xmlns:a14="http://schemas.microsoft.com/office/drawing/2010/main" xmlns=""/>
               </a:ext>
             </a:extLst>
           </a:blip>
@@ -18204,7 +18078,7 @@
           <a:blip r:embed="rId4" cstate="email">
             <a:extLst>
               <a:ext uri="{BEBA8EAE-BF5A-486C-A8C5-ECC9F3942E4B}">
-                <a14:imgProps xmlns:a14="http://schemas.microsoft.com/office/drawing/2010/main">
+                <a14:imgProps xmlns:a14="http://schemas.microsoft.com/office/drawing/2010/main" xmlns="">
                   <a14:imgLayer r:embed="rId7">
                     <a14:imgEffect>
                       <a14:backgroundRemoval t="9744" b="89776" l="0" r="100000">
@@ -18215,7 +18089,7 @@
                 </a14:imgProps>
               </a:ext>
               <a:ext uri="{28A0092B-C50C-407E-A947-70E740481C1C}">
-                <a14:useLocalDpi xmlns:a14="http://schemas.microsoft.com/office/drawing/2010/main"/>
+                <a14:useLocalDpi xmlns:a14="http://schemas.microsoft.com/office/drawing/2010/main" xmlns=""/>
               </a:ext>
             </a:extLst>
           </a:blip>
@@ -18245,7 +18119,7 @@
           <a:blip r:embed="rId4" cstate="email">
             <a:extLst>
               <a:ext uri="{BEBA8EAE-BF5A-486C-A8C5-ECC9F3942E4B}">
-                <a14:imgProps xmlns:a14="http://schemas.microsoft.com/office/drawing/2010/main">
+                <a14:imgProps xmlns:a14="http://schemas.microsoft.com/office/drawing/2010/main" xmlns="">
                   <a14:imgLayer r:embed="rId7">
                     <a14:imgEffect>
                       <a14:backgroundRemoval t="9744" b="89776" l="0" r="100000">
@@ -18256,7 +18130,7 @@
                 </a14:imgProps>
               </a:ext>
               <a:ext uri="{28A0092B-C50C-407E-A947-70E740481C1C}">
-                <a14:useLocalDpi xmlns:a14="http://schemas.microsoft.com/office/drawing/2010/main"/>
+                <a14:useLocalDpi xmlns:a14="http://schemas.microsoft.com/office/drawing/2010/main" xmlns=""/>
               </a:ext>
             </a:extLst>
           </a:blip>
@@ -18406,7 +18280,7 @@
             <a:blip r:embed="rId8" cstate="email">
               <a:extLst>
                 <a:ext uri="{28A0092B-C50C-407E-A947-70E740481C1C}">
-                  <a14:useLocalDpi xmlns:a14="http://schemas.microsoft.com/office/drawing/2010/main"/>
+                  <a14:useLocalDpi xmlns:a14="http://schemas.microsoft.com/office/drawing/2010/main" xmlns=""/>
                 </a:ext>
               </a:extLst>
             </a:blip>
@@ -18475,7 +18349,7 @@
           <a:blip r:embed="rId9" cstate="email">
             <a:extLst>
               <a:ext uri="{BEBA8EAE-BF5A-486C-A8C5-ECC9F3942E4B}">
-                <a14:imgProps xmlns:a14="http://schemas.microsoft.com/office/drawing/2010/main">
+                <a14:imgProps xmlns:a14="http://schemas.microsoft.com/office/drawing/2010/main" xmlns="">
                   <a14:imgLayer r:embed="rId10">
                     <a14:imgEffect>
                       <a14:backgroundRemoval t="247" b="98519" l="1341" r="98902">
@@ -18494,7 +18368,7 @@
                 </a14:imgProps>
               </a:ext>
               <a:ext uri="{28A0092B-C50C-407E-A947-70E740481C1C}">
-                <a14:useLocalDpi xmlns:a14="http://schemas.microsoft.com/office/drawing/2010/main"/>
+                <a14:useLocalDpi xmlns:a14="http://schemas.microsoft.com/office/drawing/2010/main" xmlns=""/>
               </a:ext>
             </a:extLst>
           </a:blip>
@@ -18596,7 +18470,7 @@
             <a:blip r:embed="rId8" cstate="email">
               <a:extLst>
                 <a:ext uri="{28A0092B-C50C-407E-A947-70E740481C1C}">
-                  <a14:useLocalDpi xmlns:a14="http://schemas.microsoft.com/office/drawing/2010/main"/>
+                  <a14:useLocalDpi xmlns:a14="http://schemas.microsoft.com/office/drawing/2010/main" xmlns=""/>
                 </a:ext>
               </a:extLst>
             </a:blip>
@@ -18665,7 +18539,7 @@
           <a:blip r:embed="rId11" cstate="email">
             <a:extLst>
               <a:ext uri="{BEBA8EAE-BF5A-486C-A8C5-ECC9F3942E4B}">
-                <a14:imgProps xmlns:a14="http://schemas.microsoft.com/office/drawing/2010/main">
+                <a14:imgProps xmlns:a14="http://schemas.microsoft.com/office/drawing/2010/main" xmlns="">
                   <a14:imgLayer r:embed="rId12">
                     <a14:imgEffect>
                       <a14:backgroundRemoval t="9930" b="98481" l="1792" r="89932">
@@ -18678,7 +18552,7 @@
                 </a14:imgProps>
               </a:ext>
               <a:ext uri="{28A0092B-C50C-407E-A947-70E740481C1C}">
-                <a14:useLocalDpi xmlns:a14="http://schemas.microsoft.com/office/drawing/2010/main"/>
+                <a14:useLocalDpi xmlns:a14="http://schemas.microsoft.com/office/drawing/2010/main" xmlns=""/>
               </a:ext>
             </a:extLst>
           </a:blip>
@@ -18708,7 +18582,7 @@
           <a:blip r:embed="rId13" cstate="email">
             <a:extLst>
               <a:ext uri="{BEBA8EAE-BF5A-486C-A8C5-ECC9F3942E4B}">
-                <a14:imgProps xmlns:a14="http://schemas.microsoft.com/office/drawing/2010/main">
+                <a14:imgProps xmlns:a14="http://schemas.microsoft.com/office/drawing/2010/main" xmlns="">
                   <a14:imgLayer r:embed="rId14">
                     <a14:imgEffect>
                       <a14:backgroundRemoval t="1941" b="99908" l="1985" r="98321">
@@ -18727,7 +18601,7 @@
                 </a14:imgProps>
               </a:ext>
               <a:ext uri="{28A0092B-C50C-407E-A947-70E740481C1C}">
-                <a14:useLocalDpi xmlns:a14="http://schemas.microsoft.com/office/drawing/2010/main"/>
+                <a14:useLocalDpi xmlns:a14="http://schemas.microsoft.com/office/drawing/2010/main" xmlns=""/>
               </a:ext>
             </a:extLst>
           </a:blip>
@@ -20297,7 +20171,7 @@
           <a:blip r:embed="rId4" cstate="email">
             <a:extLst>
               <a:ext uri="{BEBA8EAE-BF5A-486C-A8C5-ECC9F3942E4B}">
-                <a14:imgProps xmlns:a14="http://schemas.microsoft.com/office/drawing/2010/main">
+                <a14:imgProps xmlns:a14="http://schemas.microsoft.com/office/drawing/2010/main" xmlns="">
                   <a14:imgLayer r:embed="rId15">
                     <a14:imgEffect>
                       <a14:backgroundRemoval t="9744" b="89776" l="0" r="100000">
@@ -20308,7 +20182,7 @@
                 </a14:imgProps>
               </a:ext>
               <a:ext uri="{28A0092B-C50C-407E-A947-70E740481C1C}">
-                <a14:useLocalDpi xmlns:a14="http://schemas.microsoft.com/office/drawing/2010/main"/>
+                <a14:useLocalDpi xmlns:a14="http://schemas.microsoft.com/office/drawing/2010/main" xmlns=""/>
               </a:ext>
             </a:extLst>
           </a:blip>
@@ -20338,7 +20212,7 @@
           <a:blip r:embed="rId16" cstate="email">
             <a:extLst>
               <a:ext uri="{BEBA8EAE-BF5A-486C-A8C5-ECC9F3942E4B}">
-                <a14:imgProps xmlns:a14="http://schemas.microsoft.com/office/drawing/2010/main">
+                <a14:imgProps xmlns:a14="http://schemas.microsoft.com/office/drawing/2010/main" xmlns="">
                   <a14:imgLayer r:embed="rId17">
                     <a14:imgEffect>
                       <a14:backgroundRemoval t="1292" b="99096" l="1546" r="97423">
@@ -20355,7 +20229,7 @@
                 </a14:imgProps>
               </a:ext>
               <a:ext uri="{28A0092B-C50C-407E-A947-70E740481C1C}">
-                <a14:useLocalDpi xmlns:a14="http://schemas.microsoft.com/office/drawing/2010/main"/>
+                <a14:useLocalDpi xmlns:a14="http://schemas.microsoft.com/office/drawing/2010/main" xmlns=""/>
               </a:ext>
             </a:extLst>
           </a:blip>
@@ -20385,7 +20259,7 @@
           <a:blip r:embed="rId18" cstate="email">
             <a:extLst>
               <a:ext uri="{28A0092B-C50C-407E-A947-70E740481C1C}">
-                <a14:useLocalDpi xmlns:a14="http://schemas.microsoft.com/office/drawing/2010/main"/>
+                <a14:useLocalDpi xmlns:a14="http://schemas.microsoft.com/office/drawing/2010/main" xmlns=""/>
               </a:ext>
             </a:extLst>
           </a:blip>
@@ -20688,7 +20562,7 @@
     </p:spTree>
     <p:extLst>
       <p:ext uri="{BB962C8B-B14F-4D97-AF65-F5344CB8AC3E}">
-        <p14:creationId xmlns:p14="http://schemas.microsoft.com/office/powerpoint/2010/main" val="1227157401"/>
+        <p14:creationId xmlns:p14="http://schemas.microsoft.com/office/powerpoint/2010/main" xmlns="" val="1227157401"/>
       </p:ext>
     </p:extLst>
   </p:cSld>
@@ -21841,7 +21715,7 @@
     </p:spTree>
     <p:extLst>
       <p:ext uri="{BB962C8B-B14F-4D97-AF65-F5344CB8AC3E}">
-        <p14:creationId xmlns:p14="http://schemas.microsoft.com/office/powerpoint/2010/main" val="2055646547"/>
+        <p14:creationId xmlns:p14="http://schemas.microsoft.com/office/powerpoint/2010/main" xmlns="" val="2055646547"/>
       </p:ext>
     </p:extLst>
   </p:cSld>
@@ -21992,7 +21866,7 @@
             <a:blip r:embed="rId2" cstate="email">
               <a:extLst>
                 <a:ext uri="{28A0092B-C50C-407E-A947-70E740481C1C}">
-                  <a14:useLocalDpi xmlns:a14="http://schemas.microsoft.com/office/drawing/2010/main"/>
+                  <a14:useLocalDpi xmlns:a14="http://schemas.microsoft.com/office/drawing/2010/main" xmlns=""/>
                 </a:ext>
               </a:extLst>
             </a:blip>
@@ -22912,7 +22786,7 @@
         <p:spPr>
           <a:xfrm>
             <a:off x="5096089" y="5616499"/>
-            <a:ext cx="7143302" cy="923330"/>
+            <a:ext cx="6977808" cy="923330"/>
           </a:xfrm>
           <a:prstGeom prst="rect">
             <a:avLst/>
@@ -23018,65 +22892,110 @@
                   <a:schemeClr val="bg1"/>
                 </a:solidFill>
               </a:rPr>
-              <a:t>를 사용해 자연스러운 물</a:t>
-            </a:r>
-          </a:p>
-          <a:p>
-            <a:r>
-              <a:rPr kumimoji="1" lang="ko-KR" altLang="en-US" dirty="0">
+              <a:t>를 사용해 </a:t>
+            </a:r>
+            <a:r>
+              <a:rPr kumimoji="1" lang="ko-KR" altLang="en-US" dirty="0" err="1" smtClean="0">
                 <a:solidFill>
                   <a:schemeClr val="bg1"/>
                 </a:solidFill>
               </a:rPr>
-              <a:t>포워드 라이팅</a:t>
-            </a:r>
-            <a:r>
-              <a:rPr kumimoji="1" lang="en-US" altLang="ko-KR" dirty="0">
+              <a:t>디퍼드</a:t>
+            </a:r>
+            <a:r>
+              <a:rPr kumimoji="1" lang="ko-KR" altLang="en-US" dirty="0" smtClean="0">
                 <a:solidFill>
                   <a:schemeClr val="bg1"/>
                 </a:solidFill>
               </a:rPr>
-              <a:t>,</a:t>
-            </a:r>
-            <a:r>
-              <a:rPr kumimoji="1" lang="ko-KR" altLang="en-US" dirty="0">
+              <a:t> </a:t>
+            </a:r>
+            <a:r>
+              <a:rPr kumimoji="1" lang="ko-KR" altLang="en-US" dirty="0" err="1" smtClean="0">
                 <a:solidFill>
                   <a:schemeClr val="bg1"/>
                 </a:solidFill>
               </a:rPr>
-              <a:t> 디퍼드 셰이딩</a:t>
-            </a:r>
-            <a:r>
-              <a:rPr kumimoji="1" lang="en-US" altLang="ko-KR" dirty="0">
+              <a:t>셰이딩</a:t>
+            </a:r>
+            <a:r>
+              <a:rPr kumimoji="1" lang="en-US" altLang="ko-KR" dirty="0" smtClean="0">
                 <a:solidFill>
                   <a:schemeClr val="bg1"/>
                 </a:solidFill>
               </a:rPr>
-              <a:t>,</a:t>
-            </a:r>
-            <a:r>
-              <a:rPr kumimoji="1" lang="ko-KR" altLang="en-US" dirty="0">
+              <a:t>, </a:t>
+            </a:r>
+            <a:r>
+              <a:rPr kumimoji="1" lang="ko-KR" altLang="en-US" dirty="0" smtClean="0">
                 <a:solidFill>
                   <a:schemeClr val="bg1"/>
                 </a:solidFill>
               </a:rPr>
-              <a:t> 셰도우 매핑</a:t>
-            </a:r>
-            <a:r>
-              <a:rPr kumimoji="1" lang="en-US" altLang="ko-KR" dirty="0">
+              <a:t>툰 </a:t>
+            </a:r>
+            <a:endParaRPr kumimoji="1" lang="en-US" altLang="ko-KR" dirty="0" smtClean="0">
+              <a:solidFill>
+                <a:schemeClr val="bg1"/>
+              </a:solidFill>
+            </a:endParaRPr>
+          </a:p>
+          <a:p>
+            <a:r>
+              <a:rPr kumimoji="1" lang="ko-KR" altLang="en-US" dirty="0" err="1" smtClean="0">
                 <a:solidFill>
                   <a:schemeClr val="bg1"/>
                 </a:solidFill>
               </a:rPr>
-              <a:t>,</a:t>
-            </a:r>
-            <a:r>
-              <a:rPr kumimoji="1" lang="ko-KR" altLang="en-US" dirty="0">
+              <a:t>랜더링</a:t>
+            </a:r>
+            <a:r>
+              <a:rPr kumimoji="1" lang="en-US" altLang="ko-KR" dirty="0" smtClean="0">
                 <a:solidFill>
                   <a:schemeClr val="bg1"/>
                 </a:solidFill>
               </a:rPr>
-              <a:t> 프로스트프로세싱 활용</a:t>
+              <a:t>(</a:t>
+            </a:r>
+            <a:r>
+              <a:rPr kumimoji="1" lang="ko-KR" altLang="en-US" dirty="0" smtClean="0">
+                <a:solidFill>
+                  <a:schemeClr val="bg1"/>
+                </a:solidFill>
+              </a:rPr>
+              <a:t>윤곽선</a:t>
+            </a:r>
+            <a:r>
+              <a:rPr kumimoji="1" lang="en-US" altLang="ko-KR" dirty="0" smtClean="0">
+                <a:solidFill>
+                  <a:schemeClr val="bg1"/>
+                </a:solidFill>
+              </a:rPr>
+              <a:t>, </a:t>
+            </a:r>
+            <a:r>
+              <a:rPr kumimoji="1" lang="ko-KR" altLang="en-US" dirty="0" smtClean="0">
+                <a:solidFill>
+                  <a:schemeClr val="bg1"/>
+                </a:solidFill>
+              </a:rPr>
+              <a:t>명암</a:t>
+            </a:r>
+            <a:r>
+              <a:rPr kumimoji="1" lang="en-US" altLang="ko-KR" dirty="0" smtClean="0">
+                <a:solidFill>
+                  <a:schemeClr val="bg1"/>
+                </a:solidFill>
+              </a:rPr>
+              <a:t>) </a:t>
+            </a:r>
+            <a:r>
+              <a:rPr kumimoji="1" lang="ko-KR" altLang="en-US" dirty="0" smtClean="0">
+                <a:solidFill>
+                  <a:schemeClr val="bg1"/>
+                </a:solidFill>
+              </a:rPr>
+              <a:t>을 연구</a:t>
             </a:r>
             <a:endParaRPr kumimoji="1" lang="mr-IN" altLang="ko-KR" dirty="0">
               <a:solidFill>
@@ -23307,7 +23226,7 @@
     </p:spTree>
     <p:extLst>
       <p:ext uri="{BB962C8B-B14F-4D97-AF65-F5344CB8AC3E}">
-        <p14:creationId xmlns:p14="http://schemas.microsoft.com/office/powerpoint/2010/main" val="970477502"/>
+        <p14:creationId xmlns:p14="http://schemas.microsoft.com/office/powerpoint/2010/main" xmlns="" val="970477502"/>
       </p:ext>
     </p:extLst>
   </p:cSld>
@@ -24714,15 +24633,15 @@
     </p:spTree>
     <p:extLst>
       <p:ext uri="{BB962C8B-B14F-4D97-AF65-F5344CB8AC3E}">
-        <p14:creationId xmlns:p14="http://schemas.microsoft.com/office/powerpoint/2010/main" val="2751601413"/>
+        <p14:creationId xmlns:p14="http://schemas.microsoft.com/office/powerpoint/2010/main" xmlns="" val="2751601413"/>
       </p:ext>
     </p:extLst>
   </p:cSld>
   <p:clrMapOvr>
     <a:masterClrMapping/>
   </p:clrMapOvr>
-  <mc:AlternateContent xmlns:mc="http://schemas.openxmlformats.org/markup-compatibility/2006" xmlns:p14="http://schemas.microsoft.com/office/powerpoint/2010/main">
-    <mc:Choice Requires="p14">
+  <mc:AlternateContent xmlns:mc="http://schemas.openxmlformats.org/markup-compatibility/2006">
+    <mc:Choice xmlns:p14="http://schemas.microsoft.com/office/powerpoint/2010/main" xmlns="" Requires="p14">
       <p:timing>
         <p:tnLst>
           <p:par>
@@ -25067,7 +24986,7 @@
         </p:tnLst>
       </p:timing>
     </mc:Choice>
-    <mc:Fallback xmlns="">
+    <mc:Fallback>
       <p:timing>
         <p:tnLst>
           <p:par>
@@ -25845,7 +25764,7 @@
     </p:spTree>
     <p:extLst>
       <p:ext uri="{BB962C8B-B14F-4D97-AF65-F5344CB8AC3E}">
-        <p14:creationId xmlns:p14="http://schemas.microsoft.com/office/powerpoint/2010/main" val="3434945550"/>
+        <p14:creationId xmlns:p14="http://schemas.microsoft.com/office/powerpoint/2010/main" xmlns="" val="3434945550"/>
       </p:ext>
     </p:extLst>
   </p:cSld>
@@ -26403,7 +26322,7 @@
     </p:spTree>
     <p:extLst>
       <p:ext uri="{BB962C8B-B14F-4D97-AF65-F5344CB8AC3E}">
-        <p14:creationId xmlns:p14="http://schemas.microsoft.com/office/powerpoint/2010/main" val="4142627809"/>
+        <p14:creationId xmlns:p14="http://schemas.microsoft.com/office/powerpoint/2010/main" xmlns="" val="4142627809"/>
       </p:ext>
     </p:extLst>
   </p:cSld>
@@ -26961,7 +26880,7 @@
     </p:spTree>
     <p:extLst>
       <p:ext uri="{BB962C8B-B14F-4D97-AF65-F5344CB8AC3E}">
-        <p14:creationId xmlns:p14="http://schemas.microsoft.com/office/powerpoint/2010/main" val="381263272"/>
+        <p14:creationId xmlns:p14="http://schemas.microsoft.com/office/powerpoint/2010/main" xmlns="" val="381263272"/>
       </p:ext>
     </p:extLst>
   </p:cSld>
@@ -27014,7 +26933,7 @@
     </a:clrScheme>
     <a:fontScheme name="Office">
       <a:majorFont>
-        <a:latin typeface="맑은 고딕" panose="020F0302020204030204"/>
+        <a:latin typeface="맑은 고딕"/>
         <a:ea typeface=""/>
         <a:cs typeface=""/>
         <a:font script="Jpan" typeface="Yu Gothic Light"/>
@@ -27049,7 +26968,7 @@
         <a:font script="Geor" typeface="Sylfaen"/>
       </a:majorFont>
       <a:minorFont>
-        <a:latin typeface="맑은 고딕" panose="020F0502020204030204"/>
+        <a:latin typeface="맑은 고딕"/>
         <a:ea typeface=""/>
         <a:cs typeface=""/>
         <a:font script="Jpan" typeface="Yu Gothic"/>
@@ -27226,7 +27145,7 @@
   <a:extraClrSchemeLst/>
   <a:extLst>
     <a:ext uri="{05A4C25C-085E-4340-85A3-A5531E510DB2}">
-      <thm15:themeFamily xmlns:thm15="http://schemas.microsoft.com/office/thememl/2012/main" name="Office Theme" id="{62F939B6-93AF-4DB8-9C6B-D6C7DFDC589F}" vid="{4A3C46E8-61CC-4603-A589-7422A47A8E4A}"/>
+      <thm15:themeFamily xmlns:thm15="http://schemas.microsoft.com/office/thememl/2012/main" xmlns="" name="Office Theme" id="{62F939B6-93AF-4DB8-9C6B-D6C7DFDC589F}" vid="{4A3C46E8-61CC-4603-A589-7422A47A8E4A}"/>
     </a:ext>
   </a:extLst>
 </a:theme>
@@ -27275,7 +27194,7 @@
     </a:clrScheme>
     <a:fontScheme name="Office">
       <a:majorFont>
-        <a:latin typeface="맑은 고딕" panose="020F0302020204030204"/>
+        <a:latin typeface="맑은 고딕"/>
         <a:ea typeface=""/>
         <a:cs typeface=""/>
         <a:font script="Jpan" typeface="Yu Gothic Light"/>
@@ -27310,7 +27229,7 @@
         <a:font script="Geor" typeface="Sylfaen"/>
       </a:majorFont>
       <a:minorFont>
-        <a:latin typeface="맑은 고딕" panose="020F0502020204030204"/>
+        <a:latin typeface="맑은 고딕"/>
         <a:ea typeface=""/>
         <a:cs typeface=""/>
         <a:font script="Jpan" typeface="Yu Gothic"/>
@@ -27487,7 +27406,7 @@
   <a:extraClrSchemeLst/>
   <a:extLst>
     <a:ext uri="{05A4C25C-085E-4340-85A3-A5531E510DB2}">
-      <thm15:themeFamily xmlns:thm15="http://schemas.microsoft.com/office/thememl/2012/main" name="Office Theme" id="{62F939B6-93AF-4DB8-9C6B-D6C7DFDC589F}" vid="{4A3C46E8-61CC-4603-A589-7422A47A8E4A}"/>
+      <thm15:themeFamily xmlns:thm15="http://schemas.microsoft.com/office/thememl/2012/main" xmlns="" name="Office Theme" id="{62F939B6-93AF-4DB8-9C6B-D6C7DFDC589F}" vid="{4A3C46E8-61CC-4603-A589-7422A47A8E4A}"/>
     </a:ext>
   </a:extLst>
 </a:theme>
@@ -27536,7 +27455,7 @@
     </a:clrScheme>
     <a:fontScheme name="Office">
       <a:majorFont>
-        <a:latin typeface="맑은 고딕" panose="020F0302020204030204"/>
+        <a:latin typeface="맑은 고딕"/>
         <a:ea typeface=""/>
         <a:cs typeface=""/>
         <a:font script="Jpan" typeface="Yu Gothic Light"/>
@@ -27571,7 +27490,7 @@
         <a:font script="Geor" typeface="Sylfaen"/>
       </a:majorFont>
       <a:minorFont>
-        <a:latin typeface="맑은 고딕" panose="020F0502020204030204"/>
+        <a:latin typeface="맑은 고딕"/>
         <a:ea typeface=""/>
         <a:cs typeface=""/>
         <a:font script="Jpan" typeface="Yu Gothic"/>
@@ -27748,7 +27667,7 @@
   <a:extraClrSchemeLst/>
   <a:extLst>
     <a:ext uri="{05A4C25C-085E-4340-85A3-A5531E510DB2}">
-      <thm15:themeFamily xmlns:thm15="http://schemas.microsoft.com/office/thememl/2012/main" name="Office Theme" id="{62F939B6-93AF-4DB8-9C6B-D6C7DFDC589F}" vid="{4A3C46E8-61CC-4603-A589-7422A47A8E4A}"/>
+      <thm15:themeFamily xmlns:thm15="http://schemas.microsoft.com/office/thememl/2012/main" xmlns="" name="Office Theme" id="{62F939B6-93AF-4DB8-9C6B-D6C7DFDC589F}" vid="{4A3C46E8-61CC-4603-A589-7422A47A8E4A}"/>
     </a:ext>
   </a:extLst>
 </a:theme>

--- a/documents/중간발표/노루막이_김형준_신창섭_홍승필_허지훈.pptx
+++ b/documents/중간발표/노루막이_김형준_신창섭_홍승필_허지훈.pptx
@@ -259,7 +259,7 @@
             <a:fld id="{C0784820-E37F-9245-812A-8C2941EBBF6C}" type="datetimeFigureOut">
               <a:rPr kumimoji="1" lang="ko-KR" altLang="en-US" smtClean="0"/>
               <a:pPr/>
-              <a:t>2017-05-08</a:t>
+              <a:t>2017-05-09</a:t>
             </a:fld>
             <a:endParaRPr kumimoji="1" lang="ko-KR" altLang="en-US"/>
           </a:p>
@@ -426,7 +426,7 @@
             <a:fld id="{ABD44343-005F-DA4E-8CE2-D84E76ABEFED}" type="datetimeFigureOut">
               <a:rPr kumimoji="1" lang="ko-KR" altLang="en-US" smtClean="0"/>
               <a:pPr/>
-              <a:t>2017-05-08</a:t>
+              <a:t>2017-05-09</a:t>
             </a:fld>
             <a:endParaRPr kumimoji="1" lang="ko-KR" altLang="en-US"/>
           </a:p>
@@ -1079,7 +1079,7 @@
             <a:fld id="{9A7BEA77-FCFD-E34F-8955-12C1E82451E3}" type="datetimeFigureOut">
               <a:rPr kumimoji="1" lang="ko-KR" altLang="en-US" smtClean="0"/>
               <a:pPr/>
-              <a:t>2017-05-08</a:t>
+              <a:t>2017-05-09</a:t>
             </a:fld>
             <a:endParaRPr kumimoji="1" lang="ko-KR" altLang="en-US"/>
           </a:p>
@@ -1249,7 +1249,7 @@
             <a:fld id="{9A7BEA77-FCFD-E34F-8955-12C1E82451E3}" type="datetimeFigureOut">
               <a:rPr kumimoji="1" lang="ko-KR" altLang="en-US" smtClean="0"/>
               <a:pPr/>
-              <a:t>2017-05-08</a:t>
+              <a:t>2017-05-09</a:t>
             </a:fld>
             <a:endParaRPr kumimoji="1" lang="ko-KR" altLang="en-US"/>
           </a:p>
@@ -1429,7 +1429,7 @@
             <a:fld id="{9A7BEA77-FCFD-E34F-8955-12C1E82451E3}" type="datetimeFigureOut">
               <a:rPr kumimoji="1" lang="ko-KR" altLang="en-US" smtClean="0"/>
               <a:pPr/>
-              <a:t>2017-05-08</a:t>
+              <a:t>2017-05-09</a:t>
             </a:fld>
             <a:endParaRPr kumimoji="1" lang="ko-KR" altLang="en-US"/>
           </a:p>
@@ -1599,7 +1599,7 @@
             <a:fld id="{9A7BEA77-FCFD-E34F-8955-12C1E82451E3}" type="datetimeFigureOut">
               <a:rPr kumimoji="1" lang="ko-KR" altLang="en-US" smtClean="0"/>
               <a:pPr/>
-              <a:t>2017-05-08</a:t>
+              <a:t>2017-05-09</a:t>
             </a:fld>
             <a:endParaRPr kumimoji="1" lang="ko-KR" altLang="en-US"/>
           </a:p>
@@ -1846,7 +1846,7 @@
             <a:fld id="{9A7BEA77-FCFD-E34F-8955-12C1E82451E3}" type="datetimeFigureOut">
               <a:rPr kumimoji="1" lang="ko-KR" altLang="en-US" smtClean="0"/>
               <a:pPr/>
-              <a:t>2017-05-08</a:t>
+              <a:t>2017-05-09</a:t>
             </a:fld>
             <a:endParaRPr kumimoji="1" lang="ko-KR" altLang="en-US"/>
           </a:p>
@@ -2077,7 +2077,7 @@
             <a:fld id="{9A7BEA77-FCFD-E34F-8955-12C1E82451E3}" type="datetimeFigureOut">
               <a:rPr kumimoji="1" lang="ko-KR" altLang="en-US" smtClean="0"/>
               <a:pPr/>
-              <a:t>2017-05-08</a:t>
+              <a:t>2017-05-09</a:t>
             </a:fld>
             <a:endParaRPr kumimoji="1" lang="ko-KR" altLang="en-US"/>
           </a:p>
@@ -2443,7 +2443,7 @@
             <a:fld id="{9A7BEA77-FCFD-E34F-8955-12C1E82451E3}" type="datetimeFigureOut">
               <a:rPr kumimoji="1" lang="ko-KR" altLang="en-US" smtClean="0"/>
               <a:pPr/>
-              <a:t>2017-05-08</a:t>
+              <a:t>2017-05-09</a:t>
             </a:fld>
             <a:endParaRPr kumimoji="1" lang="ko-KR" altLang="en-US"/>
           </a:p>
@@ -2562,7 +2562,7 @@
             <a:fld id="{9A7BEA77-FCFD-E34F-8955-12C1E82451E3}" type="datetimeFigureOut">
               <a:rPr kumimoji="1" lang="ko-KR" altLang="en-US" smtClean="0"/>
               <a:pPr/>
-              <a:t>2017-05-08</a:t>
+              <a:t>2017-05-09</a:t>
             </a:fld>
             <a:endParaRPr kumimoji="1" lang="ko-KR" altLang="en-US"/>
           </a:p>
@@ -2659,7 +2659,7 @@
             <a:fld id="{9A7BEA77-FCFD-E34F-8955-12C1E82451E3}" type="datetimeFigureOut">
               <a:rPr kumimoji="1" lang="ko-KR" altLang="en-US" smtClean="0"/>
               <a:pPr/>
-              <a:t>2017-05-08</a:t>
+              <a:t>2017-05-09</a:t>
             </a:fld>
             <a:endParaRPr kumimoji="1" lang="ko-KR" altLang="en-US"/>
           </a:p>
@@ -2936,7 +2936,7 @@
             <a:fld id="{9A7BEA77-FCFD-E34F-8955-12C1E82451E3}" type="datetimeFigureOut">
               <a:rPr kumimoji="1" lang="ko-KR" altLang="en-US" smtClean="0"/>
               <a:pPr/>
-              <a:t>2017-05-08</a:t>
+              <a:t>2017-05-09</a:t>
             </a:fld>
             <a:endParaRPr kumimoji="1" lang="ko-KR" altLang="en-US"/>
           </a:p>
@@ -3190,7 +3190,7 @@
             <a:fld id="{9A7BEA77-FCFD-E34F-8955-12C1E82451E3}" type="datetimeFigureOut">
               <a:rPr kumimoji="1" lang="ko-KR" altLang="en-US" smtClean="0"/>
               <a:pPr/>
-              <a:t>2017-05-08</a:t>
+              <a:t>2017-05-09</a:t>
             </a:fld>
             <a:endParaRPr kumimoji="1" lang="ko-KR" altLang="en-US"/>
           </a:p>
@@ -3403,7 +3403,7 @@
             <a:fld id="{9A7BEA77-FCFD-E34F-8955-12C1E82451E3}" type="datetimeFigureOut">
               <a:rPr kumimoji="1" lang="ko-KR" altLang="en-US" smtClean="0"/>
               <a:pPr/>
-              <a:t>2017-05-08</a:t>
+              <a:t>2017-05-09</a:t>
             </a:fld>
             <a:endParaRPr kumimoji="1" lang="ko-KR" altLang="en-US"/>
           </a:p>
@@ -23546,7 +23546,7 @@
         </p:nvSpPr>
         <p:spPr>
           <a:xfrm>
-            <a:off x="464457" y="1872433"/>
+            <a:off x="315346" y="2537056"/>
             <a:ext cx="711200" cy="711200"/>
           </a:xfrm>
           <a:prstGeom prst="roundRect">
@@ -23606,7 +23606,7 @@
         </p:nvSpPr>
         <p:spPr>
           <a:xfrm>
-            <a:off x="1354449" y="1875747"/>
+            <a:off x="1205338" y="2540370"/>
             <a:ext cx="1795151" cy="707886"/>
           </a:xfrm>
           <a:prstGeom prst="rect">
@@ -23639,7 +23639,7 @@
         </p:nvSpPr>
         <p:spPr>
           <a:xfrm>
-            <a:off x="3149599" y="1889512"/>
+            <a:off x="3000488" y="2554135"/>
             <a:ext cx="1586025" cy="711200"/>
           </a:xfrm>
           <a:prstGeom prst="roundRect">
@@ -23697,7 +23697,7 @@
         </p:nvSpPr>
         <p:spPr>
           <a:xfrm>
-            <a:off x="4765306" y="1892826"/>
+            <a:off x="4616195" y="2557449"/>
             <a:ext cx="2661861" cy="707886"/>
           </a:xfrm>
           <a:prstGeom prst="rect">
@@ -23730,7 +23730,7 @@
         </p:nvSpPr>
         <p:spPr>
           <a:xfrm>
-            <a:off x="464457" y="2926482"/>
+            <a:off x="315346" y="3539346"/>
             <a:ext cx="711200" cy="711200"/>
           </a:xfrm>
           <a:prstGeom prst="roundRect">
@@ -23790,7 +23790,7 @@
         </p:nvSpPr>
         <p:spPr>
           <a:xfrm>
-            <a:off x="1354449" y="2926482"/>
+            <a:off x="1205338" y="3539346"/>
             <a:ext cx="711200" cy="711200"/>
           </a:xfrm>
           <a:prstGeom prst="roundRect">
@@ -23850,7 +23850,7 @@
         </p:nvSpPr>
         <p:spPr>
           <a:xfrm>
-            <a:off x="2244441" y="2926482"/>
+            <a:off x="2095330" y="3539346"/>
             <a:ext cx="711200" cy="711200"/>
           </a:xfrm>
           <a:prstGeom prst="roundRect">
@@ -23910,7 +23910,7 @@
         </p:nvSpPr>
         <p:spPr>
           <a:xfrm>
-            <a:off x="3134433" y="2926482"/>
+            <a:off x="2985322" y="3539346"/>
             <a:ext cx="711200" cy="711200"/>
           </a:xfrm>
           <a:prstGeom prst="roundRect">
@@ -23970,7 +23970,7 @@
         </p:nvSpPr>
         <p:spPr>
           <a:xfrm>
-            <a:off x="4039592" y="2948861"/>
+            <a:off x="3890481" y="3561725"/>
             <a:ext cx="6730008" cy="707886"/>
           </a:xfrm>
           <a:prstGeom prst="rect">
@@ -24003,7 +24003,7 @@
         </p:nvSpPr>
         <p:spPr>
           <a:xfrm>
-            <a:off x="464457" y="4053103"/>
+            <a:off x="315346" y="4562449"/>
             <a:ext cx="711200" cy="711200"/>
           </a:xfrm>
           <a:prstGeom prst="roundRect">
@@ -24063,7 +24063,7 @@
         </p:nvSpPr>
         <p:spPr>
           <a:xfrm>
-            <a:off x="1354449" y="4056417"/>
+            <a:off x="1205338" y="4565763"/>
             <a:ext cx="6730008" cy="707886"/>
           </a:xfrm>
           <a:prstGeom prst="rect">
@@ -24104,7 +24104,7 @@
         </p:nvSpPr>
         <p:spPr>
           <a:xfrm>
-            <a:off x="464457" y="5110466"/>
+            <a:off x="315346" y="5568053"/>
             <a:ext cx="711200" cy="711200"/>
           </a:xfrm>
           <a:prstGeom prst="roundRect">
@@ -24162,7 +24162,7 @@
         </p:nvSpPr>
         <p:spPr>
           <a:xfrm>
-            <a:off x="1354449" y="5110466"/>
+            <a:off x="1205338" y="5568053"/>
             <a:ext cx="711200" cy="711200"/>
           </a:xfrm>
           <a:prstGeom prst="roundRect">
@@ -24220,7 +24220,7 @@
         </p:nvSpPr>
         <p:spPr>
           <a:xfrm>
-            <a:off x="2244441" y="5110466"/>
+            <a:off x="2095330" y="5568053"/>
             <a:ext cx="711200" cy="711200"/>
           </a:xfrm>
           <a:prstGeom prst="roundRect">
@@ -24278,7 +24278,7 @@
         </p:nvSpPr>
         <p:spPr>
           <a:xfrm>
-            <a:off x="3134433" y="5110466"/>
+            <a:off x="2985322" y="5568053"/>
             <a:ext cx="711200" cy="711200"/>
           </a:xfrm>
           <a:prstGeom prst="roundRect">
@@ -24336,7 +24336,7 @@
         </p:nvSpPr>
         <p:spPr>
           <a:xfrm>
-            <a:off x="4024425" y="5110466"/>
+            <a:off x="3875314" y="5568053"/>
             <a:ext cx="711200" cy="711200"/>
           </a:xfrm>
           <a:prstGeom prst="roundRect">
@@ -24394,7 +24394,7 @@
         </p:nvSpPr>
         <p:spPr>
           <a:xfrm>
-            <a:off x="4914417" y="5110466"/>
+            <a:off x="4765306" y="5568053"/>
             <a:ext cx="6730008" cy="707886"/>
           </a:xfrm>
           <a:prstGeom prst="rect">
@@ -24416,6 +24416,280 @@
               </a:rPr>
               <a:t>아이템 사용</a:t>
             </a:r>
+          </a:p>
+        </p:txBody>
+      </p:sp>
+      <p:sp>
+        <p:nvSpPr>
+          <p:cNvPr id="23" name="사각형: 둥근 모서리 22"/>
+          <p:cNvSpPr/>
+          <p:nvPr/>
+        </p:nvSpPr>
+        <p:spPr>
+          <a:xfrm>
+            <a:off x="315346" y="1548459"/>
+            <a:ext cx="711200" cy="711200"/>
+          </a:xfrm>
+          <a:prstGeom prst="roundRect">
+            <a:avLst/>
+          </a:prstGeom>
+          <a:solidFill>
+            <a:schemeClr val="bg1"/>
+          </a:solidFill>
+          <a:ln>
+            <a:noFill/>
+          </a:ln>
+        </p:spPr>
+        <p:style>
+          <a:lnRef idx="2">
+            <a:schemeClr val="accent1">
+              <a:shade val="50000"/>
+            </a:schemeClr>
+          </a:lnRef>
+          <a:fillRef idx="1">
+            <a:schemeClr val="accent1"/>
+          </a:fillRef>
+          <a:effectRef idx="0">
+            <a:schemeClr val="accent1"/>
+          </a:effectRef>
+          <a:fontRef idx="minor">
+            <a:schemeClr val="lt1"/>
+          </a:fontRef>
+        </p:style>
+        <p:txBody>
+          <a:bodyPr rtlCol="0" anchor="ctr"/>
+          <a:lstStyle/>
+          <a:p>
+            <a:pPr algn="ctr"/>
+            <a:r>
+              <a:rPr lang="ko-KR" altLang="en-US" sz="3600" dirty="0">
+                <a:solidFill>
+                  <a:schemeClr val="tx1"/>
+                </a:solidFill>
+              </a:rPr>
+              <a:t>→</a:t>
+            </a:r>
+          </a:p>
+        </p:txBody>
+      </p:sp>
+      <p:sp>
+        <p:nvSpPr>
+          <p:cNvPr id="24" name="사각형: 둥근 모서리 23"/>
+          <p:cNvSpPr/>
+          <p:nvPr/>
+        </p:nvSpPr>
+        <p:spPr>
+          <a:xfrm>
+            <a:off x="1205338" y="1548459"/>
+            <a:ext cx="711200" cy="711200"/>
+          </a:xfrm>
+          <a:prstGeom prst="roundRect">
+            <a:avLst/>
+          </a:prstGeom>
+          <a:solidFill>
+            <a:schemeClr val="bg1"/>
+          </a:solidFill>
+          <a:ln>
+            <a:noFill/>
+          </a:ln>
+        </p:spPr>
+        <p:style>
+          <a:lnRef idx="2">
+            <a:schemeClr val="accent1">
+              <a:shade val="50000"/>
+            </a:schemeClr>
+          </a:lnRef>
+          <a:fillRef idx="1">
+            <a:schemeClr val="accent1"/>
+          </a:fillRef>
+          <a:effectRef idx="0">
+            <a:schemeClr val="accent1"/>
+          </a:effectRef>
+          <a:fontRef idx="minor">
+            <a:schemeClr val="lt1"/>
+          </a:fontRef>
+        </p:style>
+        <p:txBody>
+          <a:bodyPr rtlCol="0" anchor="ctr"/>
+          <a:lstStyle/>
+          <a:p>
+            <a:pPr algn="ctr"/>
+            <a:r>
+              <a:rPr lang="ko-KR" altLang="en-US" sz="3600" dirty="0">
+                <a:solidFill>
+                  <a:schemeClr val="tx1"/>
+                </a:solidFill>
+              </a:rPr>
+              <a:t>←</a:t>
+            </a:r>
+          </a:p>
+        </p:txBody>
+      </p:sp>
+      <p:sp>
+        <p:nvSpPr>
+          <p:cNvPr id="26" name="사각형: 둥근 모서리 25"/>
+          <p:cNvSpPr/>
+          <p:nvPr/>
+        </p:nvSpPr>
+        <p:spPr>
+          <a:xfrm>
+            <a:off x="2095330" y="1548459"/>
+            <a:ext cx="711200" cy="711200"/>
+          </a:xfrm>
+          <a:prstGeom prst="roundRect">
+            <a:avLst/>
+          </a:prstGeom>
+          <a:solidFill>
+            <a:schemeClr val="bg1"/>
+          </a:solidFill>
+          <a:ln>
+            <a:noFill/>
+          </a:ln>
+        </p:spPr>
+        <p:style>
+          <a:lnRef idx="2">
+            <a:schemeClr val="accent1">
+              <a:shade val="50000"/>
+            </a:schemeClr>
+          </a:lnRef>
+          <a:fillRef idx="1">
+            <a:schemeClr val="accent1"/>
+          </a:fillRef>
+          <a:effectRef idx="0">
+            <a:schemeClr val="accent1"/>
+          </a:effectRef>
+          <a:fontRef idx="minor">
+            <a:schemeClr val="lt1"/>
+          </a:fontRef>
+        </p:style>
+        <p:txBody>
+          <a:bodyPr rtlCol="0" anchor="ctr"/>
+          <a:lstStyle/>
+          <a:p>
+            <a:pPr algn="ctr"/>
+            <a:r>
+              <a:rPr lang="ko-KR" altLang="en-US" sz="3600" dirty="0">
+                <a:solidFill>
+                  <a:schemeClr val="tx1"/>
+                </a:solidFill>
+              </a:rPr>
+              <a:t>↑</a:t>
+            </a:r>
+          </a:p>
+        </p:txBody>
+      </p:sp>
+      <p:sp>
+        <p:nvSpPr>
+          <p:cNvPr id="27" name="사각형: 둥근 모서리 26"/>
+          <p:cNvSpPr/>
+          <p:nvPr/>
+        </p:nvSpPr>
+        <p:spPr>
+          <a:xfrm>
+            <a:off x="2985322" y="1548459"/>
+            <a:ext cx="711200" cy="711200"/>
+          </a:xfrm>
+          <a:prstGeom prst="roundRect">
+            <a:avLst/>
+          </a:prstGeom>
+          <a:solidFill>
+            <a:schemeClr val="bg1"/>
+          </a:solidFill>
+          <a:ln>
+            <a:noFill/>
+          </a:ln>
+        </p:spPr>
+        <p:style>
+          <a:lnRef idx="2">
+            <a:schemeClr val="accent1">
+              <a:shade val="50000"/>
+            </a:schemeClr>
+          </a:lnRef>
+          <a:fillRef idx="1">
+            <a:schemeClr val="accent1"/>
+          </a:fillRef>
+          <a:effectRef idx="0">
+            <a:schemeClr val="accent1"/>
+          </a:effectRef>
+          <a:fontRef idx="minor">
+            <a:schemeClr val="lt1"/>
+          </a:fontRef>
+        </p:style>
+        <p:txBody>
+          <a:bodyPr rtlCol="0" anchor="ctr"/>
+          <a:lstStyle/>
+          <a:p>
+            <a:pPr algn="ctr"/>
+            <a:r>
+              <a:rPr lang="ko-KR" altLang="en-US" sz="3600" dirty="0">
+                <a:solidFill>
+                  <a:schemeClr val="tx1"/>
+                </a:solidFill>
+              </a:rPr>
+              <a:t>↓</a:t>
+            </a:r>
+          </a:p>
+        </p:txBody>
+      </p:sp>
+      <p:sp>
+        <p:nvSpPr>
+          <p:cNvPr id="28" name="TextBox 27"/>
+          <p:cNvSpPr txBox="1"/>
+          <p:nvPr/>
+        </p:nvSpPr>
+        <p:spPr>
+          <a:xfrm>
+            <a:off x="3890481" y="1541439"/>
+            <a:ext cx="5201761" cy="707886"/>
+          </a:xfrm>
+          <a:prstGeom prst="rect">
+            <a:avLst/>
+          </a:prstGeom>
+          <a:noFill/>
+        </p:spPr>
+        <p:txBody>
+          <a:bodyPr wrap="square" rtlCol="0">
+            <a:spAutoFit/>
+          </a:bodyPr>
+          <a:lstStyle/>
+          <a:p>
+            <a:r>
+              <a:rPr lang="ko-KR" altLang="en-US" sz="4000" dirty="0">
+                <a:solidFill>
+                  <a:schemeClr val="bg1"/>
+                </a:solidFill>
+              </a:rPr>
+              <a:t>이동</a:t>
+            </a:r>
+            <a:r>
+              <a:rPr lang="en-US" altLang="ko-KR" sz="2400" dirty="0">
+                <a:solidFill>
+                  <a:schemeClr val="bg1"/>
+                </a:solidFill>
+              </a:rPr>
+              <a:t>(</a:t>
+            </a:r>
+            <a:r>
+              <a:rPr lang="ko-KR" altLang="en-US" sz="2400" dirty="0">
+                <a:solidFill>
+                  <a:schemeClr val="bg1"/>
+                </a:solidFill>
+              </a:rPr>
+              <a:t>대각선 가능</a:t>
+            </a:r>
+            <a:r>
+              <a:rPr lang="en-US" altLang="ko-KR" sz="2400" dirty="0">
+                <a:solidFill>
+                  <a:schemeClr val="bg1"/>
+                </a:solidFill>
+              </a:rPr>
+              <a:t>)</a:t>
+            </a:r>
+            <a:endParaRPr lang="ko-KR" altLang="en-US" sz="4000" dirty="0">
+              <a:solidFill>
+                <a:schemeClr val="bg1"/>
+              </a:solidFill>
+            </a:endParaRPr>
           </a:p>
         </p:txBody>
       </p:sp>
@@ -25540,8 +25814,8 @@
         </p:nvSpPr>
         <p:spPr>
           <a:xfrm>
-            <a:off x="5096089" y="3707511"/>
-            <a:ext cx="5198474" cy="923330"/>
+            <a:off x="5096089" y="3447367"/>
+            <a:ext cx="5198474" cy="1200329"/>
           </a:xfrm>
           <a:prstGeom prst="rect">
             <a:avLst/>
@@ -25555,7 +25829,38 @@
           <a:lstStyle/>
           <a:p>
             <a:r>
-              <a:rPr kumimoji="1" lang="mr-IN" altLang="ko-KR" dirty="0" err="1">
+              <a:rPr kumimoji="1" lang="ko-KR" altLang="en-US" dirty="0">
+                <a:solidFill>
+                  <a:schemeClr val="bg1"/>
+                </a:solidFill>
+              </a:rPr>
+              <a:t>누구나 쉽게 접근할 수 있는 액션</a:t>
+            </a:r>
+            <a:r>
+              <a:rPr kumimoji="1" lang="en-US" altLang="ko-KR" dirty="0">
+                <a:solidFill>
+                  <a:schemeClr val="bg1"/>
+                </a:solidFill>
+              </a:rPr>
+              <a:t>RPG </a:t>
+            </a:r>
+            <a:r>
+              <a:rPr kumimoji="1" lang="ko-KR" altLang="en-US" dirty="0">
+                <a:solidFill>
+                  <a:schemeClr val="bg1"/>
+                </a:solidFill>
+              </a:rPr>
+              <a:t>제작</a:t>
+            </a:r>
+            <a:endParaRPr kumimoji="1" lang="en-US" altLang="ko-KR" dirty="0">
+              <a:solidFill>
+                <a:schemeClr val="bg1"/>
+              </a:solidFill>
+            </a:endParaRPr>
+          </a:p>
+          <a:p>
+            <a:r>
+              <a:rPr kumimoji="1" lang="mr-IN" altLang="ko-KR" dirty="0">
                 <a:solidFill>
                   <a:schemeClr val="bg1"/>
                 </a:solidFill>

--- a/documents/중간발표/노루막이_김형준_신창섭_홍승필_허지훈.pptx
+++ b/documents/중간발표/노루막이_김형준_신창섭_홍승필_허지훈.pptx
@@ -259,7 +259,7 @@
             <a:fld id="{C0784820-E37F-9245-812A-8C2941EBBF6C}" type="datetimeFigureOut">
               <a:rPr kumimoji="1" lang="ko-KR" altLang="en-US" smtClean="0"/>
               <a:pPr/>
-              <a:t>2017-05-09</a:t>
+              <a:t>2017-05-10</a:t>
             </a:fld>
             <a:endParaRPr kumimoji="1" lang="ko-KR" altLang="en-US"/>
           </a:p>
@@ -426,7 +426,7 @@
             <a:fld id="{ABD44343-005F-DA4E-8CE2-D84E76ABEFED}" type="datetimeFigureOut">
               <a:rPr kumimoji="1" lang="ko-KR" altLang="en-US" smtClean="0"/>
               <a:pPr/>
-              <a:t>2017-05-09</a:t>
+              <a:t>2017-05-10</a:t>
             </a:fld>
             <a:endParaRPr kumimoji="1" lang="ko-KR" altLang="en-US"/>
           </a:p>
@@ -1079,7 +1079,7 @@
             <a:fld id="{9A7BEA77-FCFD-E34F-8955-12C1E82451E3}" type="datetimeFigureOut">
               <a:rPr kumimoji="1" lang="ko-KR" altLang="en-US" smtClean="0"/>
               <a:pPr/>
-              <a:t>2017-05-09</a:t>
+              <a:t>2017-05-10</a:t>
             </a:fld>
             <a:endParaRPr kumimoji="1" lang="ko-KR" altLang="en-US"/>
           </a:p>
@@ -1249,7 +1249,7 @@
             <a:fld id="{9A7BEA77-FCFD-E34F-8955-12C1E82451E3}" type="datetimeFigureOut">
               <a:rPr kumimoji="1" lang="ko-KR" altLang="en-US" smtClean="0"/>
               <a:pPr/>
-              <a:t>2017-05-09</a:t>
+              <a:t>2017-05-10</a:t>
             </a:fld>
             <a:endParaRPr kumimoji="1" lang="ko-KR" altLang="en-US"/>
           </a:p>
@@ -1429,7 +1429,7 @@
             <a:fld id="{9A7BEA77-FCFD-E34F-8955-12C1E82451E3}" type="datetimeFigureOut">
               <a:rPr kumimoji="1" lang="ko-KR" altLang="en-US" smtClean="0"/>
               <a:pPr/>
-              <a:t>2017-05-09</a:t>
+              <a:t>2017-05-10</a:t>
             </a:fld>
             <a:endParaRPr kumimoji="1" lang="ko-KR" altLang="en-US"/>
           </a:p>
@@ -1599,7 +1599,7 @@
             <a:fld id="{9A7BEA77-FCFD-E34F-8955-12C1E82451E3}" type="datetimeFigureOut">
               <a:rPr kumimoji="1" lang="ko-KR" altLang="en-US" smtClean="0"/>
               <a:pPr/>
-              <a:t>2017-05-09</a:t>
+              <a:t>2017-05-10</a:t>
             </a:fld>
             <a:endParaRPr kumimoji="1" lang="ko-KR" altLang="en-US"/>
           </a:p>
@@ -1846,7 +1846,7 @@
             <a:fld id="{9A7BEA77-FCFD-E34F-8955-12C1E82451E3}" type="datetimeFigureOut">
               <a:rPr kumimoji="1" lang="ko-KR" altLang="en-US" smtClean="0"/>
               <a:pPr/>
-              <a:t>2017-05-09</a:t>
+              <a:t>2017-05-10</a:t>
             </a:fld>
             <a:endParaRPr kumimoji="1" lang="ko-KR" altLang="en-US"/>
           </a:p>
@@ -2077,7 +2077,7 @@
             <a:fld id="{9A7BEA77-FCFD-E34F-8955-12C1E82451E3}" type="datetimeFigureOut">
               <a:rPr kumimoji="1" lang="ko-KR" altLang="en-US" smtClean="0"/>
               <a:pPr/>
-              <a:t>2017-05-09</a:t>
+              <a:t>2017-05-10</a:t>
             </a:fld>
             <a:endParaRPr kumimoji="1" lang="ko-KR" altLang="en-US"/>
           </a:p>
@@ -2443,7 +2443,7 @@
             <a:fld id="{9A7BEA77-FCFD-E34F-8955-12C1E82451E3}" type="datetimeFigureOut">
               <a:rPr kumimoji="1" lang="ko-KR" altLang="en-US" smtClean="0"/>
               <a:pPr/>
-              <a:t>2017-05-09</a:t>
+              <a:t>2017-05-10</a:t>
             </a:fld>
             <a:endParaRPr kumimoji="1" lang="ko-KR" altLang="en-US"/>
           </a:p>
@@ -2562,7 +2562,7 @@
             <a:fld id="{9A7BEA77-FCFD-E34F-8955-12C1E82451E3}" type="datetimeFigureOut">
               <a:rPr kumimoji="1" lang="ko-KR" altLang="en-US" smtClean="0"/>
               <a:pPr/>
-              <a:t>2017-05-09</a:t>
+              <a:t>2017-05-10</a:t>
             </a:fld>
             <a:endParaRPr kumimoji="1" lang="ko-KR" altLang="en-US"/>
           </a:p>
@@ -2659,7 +2659,7 @@
             <a:fld id="{9A7BEA77-FCFD-E34F-8955-12C1E82451E3}" type="datetimeFigureOut">
               <a:rPr kumimoji="1" lang="ko-KR" altLang="en-US" smtClean="0"/>
               <a:pPr/>
-              <a:t>2017-05-09</a:t>
+              <a:t>2017-05-10</a:t>
             </a:fld>
             <a:endParaRPr kumimoji="1" lang="ko-KR" altLang="en-US"/>
           </a:p>
@@ -2936,7 +2936,7 @@
             <a:fld id="{9A7BEA77-FCFD-E34F-8955-12C1E82451E3}" type="datetimeFigureOut">
               <a:rPr kumimoji="1" lang="ko-KR" altLang="en-US" smtClean="0"/>
               <a:pPr/>
-              <a:t>2017-05-09</a:t>
+              <a:t>2017-05-10</a:t>
             </a:fld>
             <a:endParaRPr kumimoji="1" lang="ko-KR" altLang="en-US"/>
           </a:p>
@@ -3190,7 +3190,7 @@
             <a:fld id="{9A7BEA77-FCFD-E34F-8955-12C1E82451E3}" type="datetimeFigureOut">
               <a:rPr kumimoji="1" lang="ko-KR" altLang="en-US" smtClean="0"/>
               <a:pPr/>
-              <a:t>2017-05-09</a:t>
+              <a:t>2017-05-10</a:t>
             </a:fld>
             <a:endParaRPr kumimoji="1" lang="ko-KR" altLang="en-US"/>
           </a:p>
@@ -3403,7 +3403,7 @@
             <a:fld id="{9A7BEA77-FCFD-E34F-8955-12C1E82451E3}" type="datetimeFigureOut">
               <a:rPr kumimoji="1" lang="ko-KR" altLang="en-US" smtClean="0"/>
               <a:pPr/>
-              <a:t>2017-05-09</a:t>
+              <a:t>2017-05-10</a:t>
             </a:fld>
             <a:endParaRPr kumimoji="1" lang="ko-KR" altLang="en-US"/>
           </a:p>
@@ -4512,7 +4512,7 @@
                   <a:schemeClr val="bg1"/>
                 </a:solidFill>
               </a:rPr>
-              <a:t>53</a:t>
+              <a:t>33</a:t>
             </a:r>
             <a:r>
               <a:rPr lang="ko-KR" altLang="en-US" sz="3200" dirty="0">
@@ -5844,12 +5844,12 @@
               <a:t>라이브러리를 이용한 </a:t>
             </a:r>
             <a:r>
-              <a:rPr lang="ko-KR" altLang="en-US" sz="3200" dirty="0" err="1">
+              <a:rPr lang="en-US" altLang="ko-KR" sz="3200" dirty="0">
                 <a:solidFill>
                   <a:schemeClr val="bg1"/>
                 </a:solidFill>
               </a:rPr>
-              <a:t>메쉬</a:t>
+              <a:t>Mesh</a:t>
             </a:r>
             <a:r>
               <a:rPr lang="ko-KR" altLang="en-US" sz="3200" dirty="0">
@@ -5879,45 +5879,22 @@
               <a:t>다양한 종류의 </a:t>
             </a:r>
             <a:r>
-              <a:rPr lang="ko-KR" altLang="en-US" sz="2800" dirty="0" err="1">
+              <a:rPr lang="en-US" altLang="ko-KR" sz="2800" dirty="0">
                 <a:solidFill>
                   <a:schemeClr val="bg1">
                     <a:lumMod val="50000"/>
                   </a:schemeClr>
                 </a:solidFill>
               </a:rPr>
-              <a:t>스테틱</a:t>
-            </a:r>
-            <a:r>
-              <a:rPr lang="ko-KR" altLang="en-US" sz="2800" dirty="0">
-                <a:solidFill>
-                  <a:schemeClr val="bg1">
-                    <a:lumMod val="50000"/>
-                  </a:schemeClr>
-                </a:solidFill>
-              </a:rPr>
-              <a:t> </a:t>
-            </a:r>
-            <a:r>
-              <a:rPr lang="ko-KR" altLang="en-US" sz="2800" dirty="0" err="1">
-                <a:solidFill>
-                  <a:schemeClr val="bg1">
-                    <a:lumMod val="50000"/>
-                  </a:schemeClr>
-                </a:solidFill>
-              </a:rPr>
-              <a:t>메쉬</a:t>
-            </a:r>
-            <a:r>
-              <a:rPr lang="ko-KR" altLang="en-US" sz="2800" dirty="0">
-                <a:solidFill>
-                  <a:schemeClr val="bg1">
-                    <a:lumMod val="50000"/>
-                  </a:schemeClr>
-                </a:solidFill>
-              </a:rPr>
-              <a:t>.</a:t>
-            </a:r>
+              <a:t>Static Mesh</a:t>
+            </a:r>
+            <a:endParaRPr lang="ko-KR" altLang="en-US" sz="2800" dirty="0">
+              <a:solidFill>
+                <a:schemeClr val="bg1">
+                  <a:lumMod val="50000"/>
+                </a:schemeClr>
+              </a:solidFill>
+            </a:endParaRPr>
           </a:p>
           <a:p>
             <a:pPr marL="1028700" lvl="1" indent="-571500">
@@ -5935,28 +5912,25 @@
                   </a:schemeClr>
                 </a:solidFill>
               </a:rPr>
-              <a:t>부드럽게 움직이는 다이나믹 </a:t>
-            </a:r>
-            <a:r>
-              <a:rPr lang="ko-KR" altLang="en-US" sz="2800" dirty="0" err="1">
+              <a:t>부드럽게 움직이는 </a:t>
+            </a:r>
+            <a:r>
+              <a:rPr lang="en-US" altLang="ko-KR" sz="2800" dirty="0">
                 <a:solidFill>
                   <a:schemeClr val="bg1">
                     <a:lumMod val="50000"/>
                   </a:schemeClr>
                 </a:solidFill>
               </a:rPr>
-              <a:t>메쉬</a:t>
-            </a:r>
-            <a:r>
-              <a:rPr lang="ko-KR" altLang="en-US" sz="2800" dirty="0">
-                <a:solidFill>
-                  <a:schemeClr val="bg1">
-                    <a:lumMod val="50000"/>
-                  </a:schemeClr>
-                </a:solidFill>
-              </a:rPr>
-              <a:t>.</a:t>
-            </a:r>
+              <a:t>Dynamic Mesh</a:t>
+            </a:r>
+            <a:endParaRPr lang="ko-KR" altLang="en-US" sz="2800" dirty="0">
+              <a:solidFill>
+                <a:schemeClr val="bg1">
+                  <a:lumMod val="50000"/>
+                </a:schemeClr>
+              </a:solidFill>
+            </a:endParaRPr>
           </a:p>
           <a:p>
             <a:pPr marL="571500" indent="-571500">
@@ -6036,14 +6010,14 @@
               <a:t>작업의 효율 증진을 위한 오브젝트 툴, </a:t>
             </a:r>
             <a:r>
-              <a:rPr lang="ko-KR" altLang="en-US" sz="2700" dirty="0" err="1">
+              <a:rPr lang="en-US" altLang="ko-KR" sz="2700" dirty="0" err="1">
                 <a:solidFill>
                   <a:schemeClr val="bg1">
                     <a:lumMod val="50000"/>
                   </a:schemeClr>
                 </a:solidFill>
               </a:rPr>
-              <a:t>네비메쉬</a:t>
+              <a:t>NaviMesh</a:t>
             </a:r>
             <a:r>
               <a:rPr lang="ko-KR" altLang="en-US" sz="2700" dirty="0">

--- a/documents/중간발표/노루막이_김형준_신창섭_홍승필_허지훈.pptx
+++ b/documents/중간발표/노루막이_김형준_신창섭_홍승필_허지훈.pptx
@@ -16584,34 +16584,13 @@
           <a:p>
             <a:pPr algn="ctr"/>
             <a:r>
-              <a:rPr kumimoji="1" lang="ko-KR" altLang="en-US" sz="1400" dirty="0" err="1">
+              <a:rPr kumimoji="1" lang="ko-KR" altLang="en-US" sz="1400" dirty="0">
                 <a:solidFill>
                   <a:schemeClr val="bg1"/>
                 </a:solidFill>
               </a:rPr>
-              <a:t>쉐도우</a:t>
-            </a:r>
-            <a:r>
-              <a:rPr kumimoji="1" lang="en-US" altLang="ko-KR" sz="1400" dirty="0">
-                <a:solidFill>
-                  <a:schemeClr val="bg1"/>
-                </a:solidFill>
-              </a:rPr>
-              <a:t> </a:t>
-            </a:r>
-            <a:r>
-              <a:rPr kumimoji="1" lang="ko-KR" altLang="en-US" sz="1400" dirty="0" err="1">
-                <a:solidFill>
-                  <a:schemeClr val="bg1"/>
-                </a:solidFill>
-              </a:rPr>
-              <a:t>매핑</a:t>
-            </a:r>
-            <a:endParaRPr kumimoji="1" lang="ko-KR" altLang="en-US" sz="1400" dirty="0">
-              <a:solidFill>
-                <a:schemeClr val="bg1"/>
-              </a:solidFill>
-            </a:endParaRPr>
+              <a:t>그림자</a:t>
+            </a:r>
           </a:p>
         </p:txBody>
       </p:sp>

--- a/documents/중간발표/노루막이_김형준_신창섭_홍승필_허지훈.pptx
+++ b/documents/중간발표/노루막이_김형준_신창섭_홍승필_허지훈.pptx
@@ -259,7 +259,7 @@
             <a:fld id="{C0784820-E37F-9245-812A-8C2941EBBF6C}" type="datetimeFigureOut">
               <a:rPr kumimoji="1" lang="ko-KR" altLang="en-US" smtClean="0"/>
               <a:pPr/>
-              <a:t>2017-05-10</a:t>
+              <a:t>2017-05-11</a:t>
             </a:fld>
             <a:endParaRPr kumimoji="1" lang="ko-KR" altLang="en-US"/>
           </a:p>
@@ -426,7 +426,7 @@
             <a:fld id="{ABD44343-005F-DA4E-8CE2-D84E76ABEFED}" type="datetimeFigureOut">
               <a:rPr kumimoji="1" lang="ko-KR" altLang="en-US" smtClean="0"/>
               <a:pPr/>
-              <a:t>2017-05-10</a:t>
+              <a:t>2017-05-11</a:t>
             </a:fld>
             <a:endParaRPr kumimoji="1" lang="ko-KR" altLang="en-US"/>
           </a:p>
@@ -1079,7 +1079,7 @@
             <a:fld id="{9A7BEA77-FCFD-E34F-8955-12C1E82451E3}" type="datetimeFigureOut">
               <a:rPr kumimoji="1" lang="ko-KR" altLang="en-US" smtClean="0"/>
               <a:pPr/>
-              <a:t>2017-05-10</a:t>
+              <a:t>2017-05-11</a:t>
             </a:fld>
             <a:endParaRPr kumimoji="1" lang="ko-KR" altLang="en-US"/>
           </a:p>
@@ -1249,7 +1249,7 @@
             <a:fld id="{9A7BEA77-FCFD-E34F-8955-12C1E82451E3}" type="datetimeFigureOut">
               <a:rPr kumimoji="1" lang="ko-KR" altLang="en-US" smtClean="0"/>
               <a:pPr/>
-              <a:t>2017-05-10</a:t>
+              <a:t>2017-05-11</a:t>
             </a:fld>
             <a:endParaRPr kumimoji="1" lang="ko-KR" altLang="en-US"/>
           </a:p>
@@ -1429,7 +1429,7 @@
             <a:fld id="{9A7BEA77-FCFD-E34F-8955-12C1E82451E3}" type="datetimeFigureOut">
               <a:rPr kumimoji="1" lang="ko-KR" altLang="en-US" smtClean="0"/>
               <a:pPr/>
-              <a:t>2017-05-10</a:t>
+              <a:t>2017-05-11</a:t>
             </a:fld>
             <a:endParaRPr kumimoji="1" lang="ko-KR" altLang="en-US"/>
           </a:p>
@@ -1599,7 +1599,7 @@
             <a:fld id="{9A7BEA77-FCFD-E34F-8955-12C1E82451E3}" type="datetimeFigureOut">
               <a:rPr kumimoji="1" lang="ko-KR" altLang="en-US" smtClean="0"/>
               <a:pPr/>
-              <a:t>2017-05-10</a:t>
+              <a:t>2017-05-11</a:t>
             </a:fld>
             <a:endParaRPr kumimoji="1" lang="ko-KR" altLang="en-US"/>
           </a:p>
@@ -1846,7 +1846,7 @@
             <a:fld id="{9A7BEA77-FCFD-E34F-8955-12C1E82451E3}" type="datetimeFigureOut">
               <a:rPr kumimoji="1" lang="ko-KR" altLang="en-US" smtClean="0"/>
               <a:pPr/>
-              <a:t>2017-05-10</a:t>
+              <a:t>2017-05-11</a:t>
             </a:fld>
             <a:endParaRPr kumimoji="1" lang="ko-KR" altLang="en-US"/>
           </a:p>
@@ -2077,7 +2077,7 @@
             <a:fld id="{9A7BEA77-FCFD-E34F-8955-12C1E82451E3}" type="datetimeFigureOut">
               <a:rPr kumimoji="1" lang="ko-KR" altLang="en-US" smtClean="0"/>
               <a:pPr/>
-              <a:t>2017-05-10</a:t>
+              <a:t>2017-05-11</a:t>
             </a:fld>
             <a:endParaRPr kumimoji="1" lang="ko-KR" altLang="en-US"/>
           </a:p>
@@ -2443,7 +2443,7 @@
             <a:fld id="{9A7BEA77-FCFD-E34F-8955-12C1E82451E3}" type="datetimeFigureOut">
               <a:rPr kumimoji="1" lang="ko-KR" altLang="en-US" smtClean="0"/>
               <a:pPr/>
-              <a:t>2017-05-10</a:t>
+              <a:t>2017-05-11</a:t>
             </a:fld>
             <a:endParaRPr kumimoji="1" lang="ko-KR" altLang="en-US"/>
           </a:p>
@@ -2562,7 +2562,7 @@
             <a:fld id="{9A7BEA77-FCFD-E34F-8955-12C1E82451E3}" type="datetimeFigureOut">
               <a:rPr kumimoji="1" lang="ko-KR" altLang="en-US" smtClean="0"/>
               <a:pPr/>
-              <a:t>2017-05-10</a:t>
+              <a:t>2017-05-11</a:t>
             </a:fld>
             <a:endParaRPr kumimoji="1" lang="ko-KR" altLang="en-US"/>
           </a:p>
@@ -2659,7 +2659,7 @@
             <a:fld id="{9A7BEA77-FCFD-E34F-8955-12C1E82451E3}" type="datetimeFigureOut">
               <a:rPr kumimoji="1" lang="ko-KR" altLang="en-US" smtClean="0"/>
               <a:pPr/>
-              <a:t>2017-05-10</a:t>
+              <a:t>2017-05-11</a:t>
             </a:fld>
             <a:endParaRPr kumimoji="1" lang="ko-KR" altLang="en-US"/>
           </a:p>
@@ -2936,7 +2936,7 @@
             <a:fld id="{9A7BEA77-FCFD-E34F-8955-12C1E82451E3}" type="datetimeFigureOut">
               <a:rPr kumimoji="1" lang="ko-KR" altLang="en-US" smtClean="0"/>
               <a:pPr/>
-              <a:t>2017-05-10</a:t>
+              <a:t>2017-05-11</a:t>
             </a:fld>
             <a:endParaRPr kumimoji="1" lang="ko-KR" altLang="en-US"/>
           </a:p>
@@ -3190,7 +3190,7 @@
             <a:fld id="{9A7BEA77-FCFD-E34F-8955-12C1E82451E3}" type="datetimeFigureOut">
               <a:rPr kumimoji="1" lang="ko-KR" altLang="en-US" smtClean="0"/>
               <a:pPr/>
-              <a:t>2017-05-10</a:t>
+              <a:t>2017-05-11</a:t>
             </a:fld>
             <a:endParaRPr kumimoji="1" lang="ko-KR" altLang="en-US"/>
           </a:p>
@@ -3403,7 +3403,7 @@
             <a:fld id="{9A7BEA77-FCFD-E34F-8955-12C1E82451E3}" type="datetimeFigureOut">
               <a:rPr kumimoji="1" lang="ko-KR" altLang="en-US" smtClean="0"/>
               <a:pPr/>
-              <a:t>2017-05-10</a:t>
+              <a:t>2017-05-11</a:t>
             </a:fld>
             <a:endParaRPr kumimoji="1" lang="ko-KR" altLang="en-US"/>
           </a:p>
@@ -3892,8 +3892,14 @@
           <p:nvPr/>
         </p:nvPicPr>
         <p:blipFill rotWithShape="1">
-          <a:blip r:embed="rId2"/>
-          <a:srcRect l="16667" t="4558" r="16667" b="29146"/>
+          <a:blip r:embed="rId2" cstate="email">
+            <a:extLst>
+              <a:ext uri="{28A0092B-C50C-407E-A947-70E740481C1C}">
+                <a14:useLocalDpi xmlns:a14="http://schemas.microsoft.com/office/drawing/2010/main"/>
+              </a:ext>
+            </a:extLst>
+          </a:blip>
+          <a:srcRect/>
           <a:stretch/>
         </p:blipFill>
         <p:spPr>
@@ -6686,7 +6692,13 @@
           <p:nvPr/>
         </p:nvPicPr>
         <p:blipFill>
-          <a:blip r:embed="rId2"/>
+          <a:blip r:embed="rId2" cstate="email">
+            <a:extLst>
+              <a:ext uri="{28A0092B-C50C-407E-A947-70E740481C1C}">
+                <a14:useLocalDpi xmlns:a14="http://schemas.microsoft.com/office/drawing/2010/main"/>
+              </a:ext>
+            </a:extLst>
+          </a:blip>
           <a:stretch>
             <a:fillRect/>
           </a:stretch>
@@ -6710,7 +6722,13 @@
           <p:nvPr/>
         </p:nvPicPr>
         <p:blipFill>
-          <a:blip r:embed="rId3"/>
+          <a:blip r:embed="rId3" cstate="email">
+            <a:extLst>
+              <a:ext uri="{28A0092B-C50C-407E-A947-70E740481C1C}">
+                <a14:useLocalDpi xmlns:a14="http://schemas.microsoft.com/office/drawing/2010/main"/>
+              </a:ext>
+            </a:extLst>
+          </a:blip>
           <a:stretch>
             <a:fillRect/>
           </a:stretch>
@@ -6734,7 +6752,13 @@
           <p:nvPr/>
         </p:nvPicPr>
         <p:blipFill>
-          <a:blip r:embed="rId4"/>
+          <a:blip r:embed="rId4" cstate="email">
+            <a:extLst>
+              <a:ext uri="{28A0092B-C50C-407E-A947-70E740481C1C}">
+                <a14:useLocalDpi xmlns:a14="http://schemas.microsoft.com/office/drawing/2010/main"/>
+              </a:ext>
+            </a:extLst>
+          </a:blip>
           <a:stretch>
             <a:fillRect/>
           </a:stretch>
@@ -6758,7 +6782,13 @@
           <p:nvPr/>
         </p:nvPicPr>
         <p:blipFill>
-          <a:blip r:embed="rId5"/>
+          <a:blip r:embed="rId5" cstate="email">
+            <a:extLst>
+              <a:ext uri="{28A0092B-C50C-407E-A947-70E740481C1C}">
+                <a14:useLocalDpi xmlns:a14="http://schemas.microsoft.com/office/drawing/2010/main"/>
+              </a:ext>
+            </a:extLst>
+          </a:blip>
           <a:stretch>
             <a:fillRect/>
           </a:stretch>
@@ -6782,7 +6812,13 @@
           <p:nvPr/>
         </p:nvPicPr>
         <p:blipFill>
-          <a:blip r:embed="rId6"/>
+          <a:blip r:embed="rId6" cstate="email">
+            <a:extLst>
+              <a:ext uri="{28A0092B-C50C-407E-A947-70E740481C1C}">
+                <a14:useLocalDpi xmlns:a14="http://schemas.microsoft.com/office/drawing/2010/main"/>
+              </a:ext>
+            </a:extLst>
+          </a:blip>
           <a:stretch>
             <a:fillRect/>
           </a:stretch>
@@ -6806,7 +6842,13 @@
           <p:nvPr/>
         </p:nvPicPr>
         <p:blipFill>
-          <a:blip r:embed="rId7"/>
+          <a:blip r:embed="rId7" cstate="email">
+            <a:extLst>
+              <a:ext uri="{28A0092B-C50C-407E-A947-70E740481C1C}">
+                <a14:useLocalDpi xmlns:a14="http://schemas.microsoft.com/office/drawing/2010/main"/>
+              </a:ext>
+            </a:extLst>
+          </a:blip>
           <a:stretch>
             <a:fillRect/>
           </a:stretch>
@@ -20749,7 +20791,7 @@
             <a:extLst>
               <a:ext uri="{BEBA8EAE-BF5A-486C-A8C5-ECC9F3942E4B}">
                 <a14:imgProps xmlns:a14="http://schemas.microsoft.com/office/drawing/2010/main">
-                  <a14:imgLayer r:embed="rId6">
+                  <a14:imgLayer r:embed="rId5">
                     <a14:imgEffect>
                       <a14:backgroundRemoval t="9744" b="89776" l="0" r="100000">
                         <a14:foregroundMark x1="89457" y1="64377" x2="88978" y2="71725"/>
@@ -20790,7 +20832,7 @@
             <a:extLst>
               <a:ext uri="{BEBA8EAE-BF5A-486C-A8C5-ECC9F3942E4B}">
                 <a14:imgProps xmlns:a14="http://schemas.microsoft.com/office/drawing/2010/main">
-                  <a14:imgLayer r:embed="rId7">
+                  <a14:imgLayer r:embed="rId5">
                     <a14:imgEffect>
                       <a14:backgroundRemoval t="9744" b="89776" l="0" r="100000">
                         <a14:foregroundMark x1="89457" y1="64377" x2="88978" y2="71725"/>
@@ -20831,7 +20873,7 @@
             <a:extLst>
               <a:ext uri="{BEBA8EAE-BF5A-486C-A8C5-ECC9F3942E4B}">
                 <a14:imgProps xmlns:a14="http://schemas.microsoft.com/office/drawing/2010/main">
-                  <a14:imgLayer r:embed="rId7">
+                  <a14:imgLayer r:embed="rId5">
                     <a14:imgEffect>
                       <a14:backgroundRemoval t="9744" b="89776" l="0" r="100000">
                         <a14:foregroundMark x1="89457" y1="64377" x2="88978" y2="71725"/>
@@ -20988,7 +21030,7 @@
             <p:nvPr/>
           </p:nvPicPr>
           <p:blipFill rotWithShape="1">
-            <a:blip r:embed="rId8" cstate="email">
+            <a:blip r:embed="rId6" cstate="email">
               <a:extLst>
                 <a:ext uri="{28A0092B-C50C-407E-A947-70E740481C1C}">
                   <a14:useLocalDpi xmlns:a14="http://schemas.microsoft.com/office/drawing/2010/main"/>
@@ -21057,11 +21099,11 @@
           <p:nvPr/>
         </p:nvPicPr>
         <p:blipFill>
-          <a:blip r:embed="rId9" cstate="email">
+          <a:blip r:embed="rId7" cstate="email">
             <a:extLst>
               <a:ext uri="{BEBA8EAE-BF5A-486C-A8C5-ECC9F3942E4B}">
                 <a14:imgProps xmlns:a14="http://schemas.microsoft.com/office/drawing/2010/main">
-                  <a14:imgLayer r:embed="rId10">
+                  <a14:imgLayer r:embed="rId8">
                     <a14:imgEffect>
                       <a14:backgroundRemoval t="247" b="98519" l="1341" r="98902">
                         <a14:foregroundMark x1="36585" y1="60988" x2="54146" y2="78272"/>
@@ -21178,7 +21220,7 @@
             <p:nvPr/>
           </p:nvPicPr>
           <p:blipFill rotWithShape="1">
-            <a:blip r:embed="rId8" cstate="email">
+            <a:blip r:embed="rId6" cstate="email">
               <a:extLst>
                 <a:ext uri="{28A0092B-C50C-407E-A947-70E740481C1C}">
                   <a14:useLocalDpi xmlns:a14="http://schemas.microsoft.com/office/drawing/2010/main"/>
@@ -21247,11 +21289,11 @@
           <p:nvPr/>
         </p:nvPicPr>
         <p:blipFill>
-          <a:blip r:embed="rId11" cstate="email">
+          <a:blip r:embed="rId9" cstate="email">
             <a:extLst>
               <a:ext uri="{BEBA8EAE-BF5A-486C-A8C5-ECC9F3942E4B}">
                 <a14:imgProps xmlns:a14="http://schemas.microsoft.com/office/drawing/2010/main">
-                  <a14:imgLayer r:embed="rId12">
+                  <a14:imgLayer r:embed="rId10">
                     <a14:imgEffect>
                       <a14:backgroundRemoval t="9930" b="98481" l="1792" r="89932">
                         <a14:backgroundMark x1="22270" y1="62033" x2="27304" y2="51402"/>
@@ -21290,11 +21332,11 @@
           <p:nvPr/>
         </p:nvPicPr>
         <p:blipFill>
-          <a:blip r:embed="rId13" cstate="email">
+          <a:blip r:embed="rId11" cstate="email">
             <a:extLst>
               <a:ext uri="{BEBA8EAE-BF5A-486C-A8C5-ECC9F3942E4B}">
                 <a14:imgProps xmlns:a14="http://schemas.microsoft.com/office/drawing/2010/main">
-                  <a14:imgLayer r:embed="rId14">
+                  <a14:imgLayer r:embed="rId12">
                     <a14:imgEffect>
                       <a14:backgroundRemoval t="1941" b="99908" l="1985" r="98321">
                         <a14:backgroundMark x1="69847" y1="76987" x2="88931" y2="91682"/>
@@ -22883,7 +22925,7 @@
             <a:extLst>
               <a:ext uri="{BEBA8EAE-BF5A-486C-A8C5-ECC9F3942E4B}">
                 <a14:imgProps xmlns:a14="http://schemas.microsoft.com/office/drawing/2010/main">
-                  <a14:imgLayer r:embed="rId15">
+                  <a14:imgLayer r:embed="rId5">
                     <a14:imgEffect>
                       <a14:backgroundRemoval t="9744" b="89776" l="0" r="100000">
                         <a14:foregroundMark x1="89457" y1="64377" x2="88978" y2="71725"/>
@@ -22920,11 +22962,11 @@
           <p:nvPr/>
         </p:nvPicPr>
         <p:blipFill>
-          <a:blip r:embed="rId16" cstate="email">
+          <a:blip r:embed="rId13" cstate="email">
             <a:extLst>
               <a:ext uri="{BEBA8EAE-BF5A-486C-A8C5-ECC9F3942E4B}">
                 <a14:imgProps xmlns:a14="http://schemas.microsoft.com/office/drawing/2010/main">
-                  <a14:imgLayer r:embed="rId17">
+                  <a14:imgLayer r:embed="rId14">
                     <a14:imgEffect>
                       <a14:backgroundRemoval t="1292" b="99096" l="1546" r="97423">
                         <a14:foregroundMark x1="64605" y1="17571" x2="65120" y2="25452"/>
@@ -22967,7 +23009,7 @@
           <p:nvPr/>
         </p:nvPicPr>
         <p:blipFill>
-          <a:blip r:embed="rId18" cstate="email">
+          <a:blip r:embed="rId15" cstate="email">
             <a:extLst>
               <a:ext uri="{28A0092B-C50C-407E-A947-70E740481C1C}">
                 <a14:useLocalDpi xmlns:a14="http://schemas.microsoft.com/office/drawing/2010/main"/>
